--- a/0.Preparation before class/Computer programming.pptx
+++ b/0.Preparation before class/Computer programming.pptx
@@ -28,7 +28,7 @@
   <p:notesSz cx="6858000" cy="9144000"/>
   <p:embeddedFontLst>
     <p:embeddedFont>
-      <p:font typeface="微软雅黑 Light" panose="020B0502040204020203" charset="-122"/>
+      <p:font typeface="微软雅黑 Light" charset="-122"/>
       <p:regular r:id="rId20"/>
     </p:embeddedFont>
     <p:embeddedFont>
@@ -36,23 +36,16 @@
       <p:regular r:id="rId21"/>
     </p:embeddedFont>
     <p:embeddedFont>
-      <p:font typeface="Yu Gothic UI Semibold" panose="020B0700000000000000" charset="-128"/>
-      <p:bold r:id="rId22"/>
+      <p:font typeface="Yu Gothic UI Semibold" charset="-128"/>
+      <p:regular r:id="rId22"/>
     </p:embeddedFont>
     <p:embeddedFont>
-      <p:font typeface="方正卡通简体" panose="03000509000000000000" charset="0"/>
+      <p:font typeface="方正喵呜体" charset="0"/>
       <p:regular r:id="rId23"/>
     </p:embeddedFont>
     <p:embeddedFont>
-      <p:font typeface="方正喵呜体" panose="02010600010101010101" charset="0"/>
+      <p:font typeface="方正卡通简体" charset="0"/>
       <p:regular r:id="rId24"/>
-    </p:embeddedFont>
-    <p:embeddedFont>
-      <p:font typeface="Calibri" panose="020F0502020204030204" charset="0"/>
-      <p:regular r:id="rId25"/>
-      <p:bold r:id="rId26"/>
-      <p:italic r:id="rId27"/>
-      <p:boldItalic r:id="rId28"/>
     </p:embeddedFont>
   </p:embeddedFontLst>
   <p:defaultTextStyle>
@@ -4671,7 +4664,7 @@
         <a:spcBef>
           <a:spcPts val="1000"/>
         </a:spcBef>
-        <a:buFont typeface="Arial" panose="020B0604020202020204" pitchFamily="34" charset="0"/>
+        <a:buFont typeface="Arial" pitchFamily="34" charset="0"/>
         <a:buChar char="•"/>
         <a:defRPr sz="2800" kern="1200">
           <a:solidFill>
@@ -4689,7 +4682,7 @@
         <a:spcBef>
           <a:spcPts val="500"/>
         </a:spcBef>
-        <a:buFont typeface="Arial" panose="020B0604020202020204" pitchFamily="34" charset="0"/>
+        <a:buFont typeface="Arial" pitchFamily="34" charset="0"/>
         <a:buChar char="•"/>
         <a:defRPr sz="2400" kern="1200">
           <a:solidFill>
@@ -4707,7 +4700,7 @@
         <a:spcBef>
           <a:spcPts val="500"/>
         </a:spcBef>
-        <a:buFont typeface="Arial" panose="020B0604020202020204" pitchFamily="34" charset="0"/>
+        <a:buFont typeface="Arial" pitchFamily="34" charset="0"/>
         <a:buChar char="•"/>
         <a:defRPr sz="2000" kern="1200">
           <a:solidFill>
@@ -4725,7 +4718,7 @@
         <a:spcBef>
           <a:spcPts val="500"/>
         </a:spcBef>
-        <a:buFont typeface="Arial" panose="020B0604020202020204" pitchFamily="34" charset="0"/>
+        <a:buFont typeface="Arial" pitchFamily="34" charset="0"/>
         <a:buChar char="•"/>
         <a:defRPr sz="1800" kern="1200">
           <a:solidFill>
@@ -4743,7 +4736,7 @@
         <a:spcBef>
           <a:spcPts val="500"/>
         </a:spcBef>
-        <a:buFont typeface="Arial" panose="020B0604020202020204" pitchFamily="34" charset="0"/>
+        <a:buFont typeface="Arial" pitchFamily="34" charset="0"/>
         <a:buChar char="•"/>
         <a:defRPr sz="1800" kern="1200">
           <a:solidFill>
@@ -4761,7 +4754,7 @@
         <a:spcBef>
           <a:spcPts val="500"/>
         </a:spcBef>
-        <a:buFont typeface="Arial" panose="020B0604020202020204" pitchFamily="34" charset="0"/>
+        <a:buFont typeface="Arial" pitchFamily="34" charset="0"/>
         <a:buChar char="•"/>
         <a:defRPr sz="1800" kern="1200">
           <a:solidFill>
@@ -4779,7 +4772,7 @@
         <a:spcBef>
           <a:spcPts val="500"/>
         </a:spcBef>
-        <a:buFont typeface="Arial" panose="020B0604020202020204" pitchFamily="34" charset="0"/>
+        <a:buFont typeface="Arial" pitchFamily="34" charset="0"/>
         <a:buChar char="•"/>
         <a:defRPr sz="1800" kern="1200">
           <a:solidFill>
@@ -4797,7 +4790,7 @@
         <a:spcBef>
           <a:spcPts val="500"/>
         </a:spcBef>
-        <a:buFont typeface="Arial" panose="020B0604020202020204" pitchFamily="34" charset="0"/>
+        <a:buFont typeface="Arial" pitchFamily="34" charset="0"/>
         <a:buChar char="•"/>
         <a:defRPr sz="1800" kern="1200">
           <a:solidFill>
@@ -4815,7 +4808,7 @@
         <a:spcBef>
           <a:spcPts val="500"/>
         </a:spcBef>
-        <a:buFont typeface="Arial" panose="020B0604020202020204" pitchFamily="34" charset="0"/>
+        <a:buFont typeface="Arial" pitchFamily="34" charset="0"/>
         <a:buChar char="•"/>
         <a:defRPr sz="1800" kern="1200">
           <a:solidFill>
@@ -5797,8 +5790,8 @@
                 <a:solidFill>
                   <a:schemeClr val="bg1"/>
                 </a:solidFill>
-                <a:latin typeface="Arial" panose="020B0604020202020204" pitchFamily="34" charset="0"/>
-                <a:ea typeface="Arial" panose="020B0604020202020204" pitchFamily="34" charset="0"/>
+                <a:latin typeface="Arial" pitchFamily="34" charset="0"/>
+                <a:ea typeface="Arial" pitchFamily="34" charset="0"/>
                 <a:sym typeface="+mn-ea"/>
               </a:rPr>
               <a:t> </a:t>
@@ -5808,8 +5801,8 @@
                 <a:solidFill>
                   <a:schemeClr val="bg1"/>
                 </a:solidFill>
-                <a:latin typeface="Arial" panose="020B0604020202020204" pitchFamily="34" charset="0"/>
-                <a:ea typeface="Arial" panose="020B0604020202020204" pitchFamily="34" charset="0"/>
+                <a:latin typeface="Arial" pitchFamily="34" charset="0"/>
+                <a:ea typeface="Arial" pitchFamily="34" charset="0"/>
                 <a:sym typeface="+mn-ea"/>
               </a:rPr>
               <a:t>YahBoom     </a:t>
@@ -5819,8 +5812,8 @@
                 <a:solidFill>
                   <a:schemeClr val="bg1"/>
                 </a:solidFill>
-                <a:latin typeface="Arial" panose="020B0604020202020204" pitchFamily="34" charset="0"/>
-                <a:ea typeface="Arial" panose="020B0604020202020204" pitchFamily="34" charset="0"/>
+                <a:latin typeface="Arial" pitchFamily="34" charset="0"/>
+                <a:ea typeface="Arial" pitchFamily="34" charset="0"/>
                 <a:sym typeface="+mn-ea"/>
               </a:rPr>
               <a:t>micro:bit</a:t>
@@ -5830,8 +5823,8 @@
                 <a:solidFill>
                   <a:schemeClr val="bg1"/>
                 </a:solidFill>
-                <a:latin typeface="Arial" panose="020B0604020202020204" pitchFamily="34" charset="0"/>
-                <a:ea typeface="Arial" panose="020B0604020202020204" pitchFamily="34" charset="0"/>
+                <a:latin typeface="Arial" pitchFamily="34" charset="0"/>
+                <a:ea typeface="Arial" pitchFamily="34" charset="0"/>
                 <a:sym typeface="+mn-ea"/>
               </a:rPr>
               <a:t> video tutorial</a:t>
@@ -6132,8 +6125,8 @@
                     </a:srgbClr>
                   </a:outerShdw>
                 </a:effectLst>
-                <a:latin typeface="微软雅黑 Light" panose="020B0502040204020203" charset="-122"/>
-                <a:ea typeface="微软雅黑 Light" panose="020B0502040204020203" charset="-122"/>
+                <a:latin typeface="微软雅黑 Light" charset="-122"/>
+                <a:ea typeface="微软雅黑 Light" charset="-122"/>
               </a:rPr>
               <a:t>   </a:t>
             </a:r>
@@ -6149,8 +6142,8 @@
                     </a:srgbClr>
                   </a:outerShdw>
                 </a:effectLst>
-                <a:latin typeface="Arial" panose="020B0604020202020204" pitchFamily="34" charset="0"/>
-                <a:ea typeface="Arial" panose="020B0604020202020204" pitchFamily="34" charset="0"/>
+                <a:latin typeface="Arial" pitchFamily="34" charset="0"/>
+                <a:ea typeface="Arial" pitchFamily="34" charset="0"/>
               </a:rPr>
               <a:t>micro:bit</a:t>
             </a:r>
@@ -6165,8 +6158,8 @@
                   </a:srgbClr>
                 </a:outerShdw>
               </a:effectLst>
-              <a:latin typeface="Arial" panose="020B0604020202020204" pitchFamily="34" charset="0"/>
-              <a:ea typeface="Arial" panose="020B0604020202020204" pitchFamily="34" charset="0"/>
+              <a:latin typeface="Arial" pitchFamily="34" charset="0"/>
+              <a:ea typeface="Arial" pitchFamily="34" charset="0"/>
             </a:endParaRPr>
           </a:p>
         </p:txBody>
@@ -6206,8 +6199,8 @@
                     </a:srgbClr>
                   </a:outerShdw>
                 </a:effectLst>
-                <a:latin typeface="Arial" panose="020B0604020202020204" pitchFamily="34" charset="0"/>
-                <a:ea typeface="Arial" panose="020B0604020202020204" pitchFamily="34" charset="0"/>
+                <a:latin typeface="Arial" pitchFamily="34" charset="0"/>
+                <a:ea typeface="Arial" pitchFamily="34" charset="0"/>
               </a:rPr>
               <a:t>preparation before class</a:t>
             </a:r>
@@ -6222,8 +6215,8 @@
                   </a:srgbClr>
                 </a:outerShdw>
               </a:effectLst>
-              <a:latin typeface="Arial" panose="020B0604020202020204" pitchFamily="34" charset="0"/>
-              <a:ea typeface="Arial" panose="020B0604020202020204" pitchFamily="34" charset="0"/>
+              <a:latin typeface="Arial" pitchFamily="34" charset="0"/>
+              <a:ea typeface="Arial" pitchFamily="34" charset="0"/>
             </a:endParaRPr>
           </a:p>
         </p:txBody>
@@ -6489,8 +6482,8 @@
                 <a:solidFill>
                   <a:schemeClr val="bg1"/>
                 </a:solidFill>
-                <a:latin typeface="Arial" panose="020B0604020202020204" pitchFamily="34" charset="0"/>
-                <a:ea typeface="Arial" panose="020B0604020202020204" pitchFamily="34" charset="0"/>
+                <a:latin typeface="Arial" pitchFamily="34" charset="0"/>
+                <a:ea typeface="Arial" pitchFamily="34" charset="0"/>
               </a:rPr>
               <a:t>                </a:t>
             </a:r>
@@ -6499,8 +6492,8 @@
                 <a:solidFill>
                   <a:schemeClr val="bg1"/>
                 </a:solidFill>
-                <a:latin typeface="Arial" panose="020B0604020202020204" pitchFamily="34" charset="0"/>
-                <a:ea typeface="Arial" panose="020B0604020202020204" pitchFamily="34" charset="0"/>
+                <a:latin typeface="Arial" pitchFamily="34" charset="0"/>
+                <a:ea typeface="Arial" pitchFamily="34" charset="0"/>
               </a:rPr>
               <a:t>                </a:t>
             </a:r>
@@ -6509,8 +6502,8 @@
                 <a:solidFill>
                   <a:schemeClr val="bg1"/>
                 </a:solidFill>
-                <a:latin typeface="Arial" panose="020B0604020202020204" pitchFamily="34" charset="0"/>
-                <a:ea typeface="Arial" panose="020B0604020202020204" pitchFamily="34" charset="0"/>
+                <a:latin typeface="Arial" pitchFamily="34" charset="0"/>
+                <a:ea typeface="Arial" pitchFamily="34" charset="0"/>
               </a:rPr>
               <a:t>micro:bit</a:t>
             </a:r>
@@ -6519,28 +6512,28 @@
                 <a:solidFill>
                   <a:schemeClr val="bg1"/>
                 </a:solidFill>
-                <a:latin typeface="Arial" panose="020B0604020202020204" pitchFamily="34" charset="0"/>
-                <a:ea typeface="Arial" panose="020B0604020202020204" pitchFamily="34" charset="0"/>
+                <a:latin typeface="Arial" pitchFamily="34" charset="0"/>
+                <a:ea typeface="Arial" pitchFamily="34" charset="0"/>
               </a:rPr>
               <a:t> module video tutorial</a:t>
             </a:r>
             <a:r>
               <a:rPr lang="zh-CN" altLang="en-US" sz="2800">
                 <a:latin typeface="icomoon" charset="0"/>
-                <a:ea typeface="Yu Gothic UI Semibold" panose="020B0700000000000000" charset="-128"/>
+                <a:ea typeface="Yu Gothic UI Semibold" charset="-128"/>
               </a:rPr>
               <a:t>          </a:t>
             </a:r>
             <a:r>
               <a:rPr lang="zh-CN" altLang="en-US" sz="2800" u="sng">
                 <a:latin typeface="icomoon" charset="0"/>
-                <a:ea typeface="Yu Gothic UI Semibold" panose="020B0700000000000000" charset="-128"/>
+                <a:ea typeface="Yu Gothic UI Semibold" charset="-128"/>
               </a:rPr>
               <a:t>                     </a:t>
             </a:r>
             <a:endParaRPr lang="zh-CN" altLang="en-US" sz="2800" u="sng">
               <a:latin typeface="icomoon" charset="0"/>
-              <a:ea typeface="Yu Gothic UI Semibold" panose="020B0700000000000000" charset="-128"/>
+              <a:ea typeface="Yu Gothic UI Semibold" charset="-128"/>
             </a:endParaRPr>
           </a:p>
         </p:txBody>
@@ -7069,8 +7062,8 @@
                 <a:solidFill>
                   <a:schemeClr val="bg1"/>
                 </a:solidFill>
-                <a:latin typeface="Arial" panose="020B0604020202020204" pitchFamily="34" charset="0"/>
-                <a:ea typeface="Arial" panose="020B0604020202020204" pitchFamily="34" charset="0"/>
+                <a:latin typeface="Arial" pitchFamily="34" charset="0"/>
+                <a:ea typeface="Arial" pitchFamily="34" charset="0"/>
               </a:rPr>
               <a:t>                     </a:t>
             </a:r>
@@ -7079,8 +7072,8 @@
                 <a:solidFill>
                   <a:schemeClr val="bg1"/>
                 </a:solidFill>
-                <a:latin typeface="Arial" panose="020B0604020202020204" pitchFamily="34" charset="0"/>
-                <a:ea typeface="Arial" panose="020B0604020202020204" pitchFamily="34" charset="0"/>
+                <a:latin typeface="Arial" pitchFamily="34" charset="0"/>
+                <a:ea typeface="Arial" pitchFamily="34" charset="0"/>
               </a:rPr>
               <a:t>               </a:t>
             </a:r>
@@ -7089,8 +7082,8 @@
                 <a:solidFill>
                   <a:schemeClr val="bg1"/>
                 </a:solidFill>
-                <a:latin typeface="Arial" panose="020B0604020202020204" pitchFamily="34" charset="0"/>
-                <a:ea typeface="Arial" panose="020B0604020202020204" pitchFamily="34" charset="0"/>
+                <a:latin typeface="Arial" pitchFamily="34" charset="0"/>
+                <a:ea typeface="Arial" pitchFamily="34" charset="0"/>
               </a:rPr>
               <a:t>micro:bit</a:t>
             </a:r>
@@ -7099,8 +7092,8 @@
                 <a:solidFill>
                   <a:schemeClr val="bg1"/>
                 </a:solidFill>
-                <a:latin typeface="Arial" panose="020B0604020202020204" pitchFamily="34" charset="0"/>
-                <a:ea typeface="Arial" panose="020B0604020202020204" pitchFamily="34" charset="0"/>
+                <a:latin typeface="Arial" pitchFamily="34" charset="0"/>
+                <a:ea typeface="Arial" pitchFamily="34" charset="0"/>
               </a:rPr>
               <a:t> module video tutorial</a:t>
             </a:r>
@@ -7109,21 +7102,21 @@
                 <a:solidFill>
                   <a:schemeClr val="bg1"/>
                 </a:solidFill>
-                <a:latin typeface="Arial" panose="020B0604020202020204" pitchFamily="34" charset="0"/>
-                <a:ea typeface="Arial" panose="020B0604020202020204" pitchFamily="34" charset="0"/>
+                <a:latin typeface="Arial" pitchFamily="34" charset="0"/>
+                <a:ea typeface="Arial" pitchFamily="34" charset="0"/>
               </a:rPr>
               <a:t> </a:t>
             </a:r>
             <a:r>
               <a:rPr lang="zh-CN" altLang="en-US" sz="2800" u="sng">
                 <a:latin typeface="icomoon" charset="0"/>
-                <a:ea typeface="Yu Gothic UI Semibold" panose="020B0700000000000000" charset="-128"/>
+                <a:ea typeface="Yu Gothic UI Semibold" charset="-128"/>
               </a:rPr>
               <a:t>                                </a:t>
             </a:r>
             <a:endParaRPr lang="zh-CN" altLang="en-US" sz="2800" u="sng">
               <a:latin typeface="icomoon" charset="0"/>
-              <a:ea typeface="Yu Gothic UI Semibold" panose="020B0700000000000000" charset="-128"/>
+              <a:ea typeface="Yu Gothic UI Semibold" charset="-128"/>
             </a:endParaRPr>
           </a:p>
         </p:txBody>
@@ -7156,8 +7149,8 @@
                     <a:lumMod val="75000"/>
                   </a:schemeClr>
                 </a:solidFill>
-                <a:latin typeface="Arial" panose="020B0604020202020204" pitchFamily="34" charset="0"/>
-                <a:ea typeface="Arial" panose="020B0604020202020204" pitchFamily="34" charset="0"/>
+                <a:latin typeface="Arial" pitchFamily="34" charset="0"/>
+                <a:ea typeface="Arial" pitchFamily="34" charset="0"/>
                 <a:sym typeface="+mn-ea"/>
               </a:rPr>
               <a:t>Part 3</a:t>
@@ -7168,8 +7161,8 @@
                   <a:lumMod val="75000"/>
                 </a:schemeClr>
               </a:solidFill>
-              <a:latin typeface="Arial" panose="020B0604020202020204" pitchFamily="34" charset="0"/>
-              <a:ea typeface="Arial" panose="020B0604020202020204" pitchFamily="34" charset="0"/>
+              <a:latin typeface="Arial" pitchFamily="34" charset="0"/>
+              <a:ea typeface="Arial" pitchFamily="34" charset="0"/>
               <a:sym typeface="+mn-ea"/>
             </a:endParaRPr>
           </a:p>
@@ -7570,8 +7563,8 @@
                 <a:solidFill>
                   <a:schemeClr val="bg1"/>
                 </a:solidFill>
-                <a:latin typeface="Arial" panose="020B0604020202020204" pitchFamily="34" charset="0"/>
-                <a:ea typeface="Arial" panose="020B0604020202020204" pitchFamily="34" charset="0"/>
+                <a:latin typeface="Arial" pitchFamily="34" charset="0"/>
+                <a:ea typeface="Arial" pitchFamily="34" charset="0"/>
                 <a:sym typeface="+mn-ea"/>
               </a:rPr>
               <a:t> </a:t>
@@ -7581,8 +7574,8 @@
                 <a:solidFill>
                   <a:schemeClr val="bg1"/>
                 </a:solidFill>
-                <a:latin typeface="Arial" panose="020B0604020202020204" pitchFamily="34" charset="0"/>
-                <a:ea typeface="Arial" panose="020B0604020202020204" pitchFamily="34" charset="0"/>
+                <a:latin typeface="Arial" pitchFamily="34" charset="0"/>
+                <a:ea typeface="Arial" pitchFamily="34" charset="0"/>
                 <a:sym typeface="+mn-ea"/>
               </a:rPr>
               <a:t>YahBoom     </a:t>
@@ -7592,8 +7585,8 @@
                 <a:solidFill>
                   <a:schemeClr val="bg1"/>
                 </a:solidFill>
-                <a:latin typeface="Arial" panose="020B0604020202020204" pitchFamily="34" charset="0"/>
-                <a:ea typeface="Arial" panose="020B0604020202020204" pitchFamily="34" charset="0"/>
+                <a:latin typeface="Arial" pitchFamily="34" charset="0"/>
+                <a:ea typeface="Arial" pitchFamily="34" charset="0"/>
                 <a:sym typeface="+mn-ea"/>
               </a:rPr>
               <a:t>micro:bit</a:t>
@@ -7603,8 +7596,8 @@
                 <a:solidFill>
                   <a:schemeClr val="bg1"/>
                 </a:solidFill>
-                <a:latin typeface="Arial" panose="020B0604020202020204" pitchFamily="34" charset="0"/>
-                <a:ea typeface="Arial" panose="020B0604020202020204" pitchFamily="34" charset="0"/>
+                <a:latin typeface="Arial" pitchFamily="34" charset="0"/>
+                <a:ea typeface="Arial" pitchFamily="34" charset="0"/>
                 <a:sym typeface="+mn-ea"/>
               </a:rPr>
               <a:t> video tutorial</a:t>
@@ -7647,8 +7640,8 @@
                     </a:srgbClr>
                   </a:outerShdw>
                 </a:effectLst>
-                <a:latin typeface="Arial" panose="020B0604020202020204" pitchFamily="34" charset="0"/>
-                <a:ea typeface="Arial" panose="020B0604020202020204" pitchFamily="34" charset="0"/>
+                <a:latin typeface="Arial" pitchFamily="34" charset="0"/>
+                <a:ea typeface="Arial" pitchFamily="34" charset="0"/>
                 <a:sym typeface="+mn-ea"/>
               </a:rPr>
               <a:t>       </a:t>
@@ -7665,8 +7658,8 @@
                     </a:srgbClr>
                   </a:outerShdw>
                 </a:effectLst>
-                <a:latin typeface="Arial" panose="020B0604020202020204" pitchFamily="34" charset="0"/>
-                <a:ea typeface="Arial" panose="020B0604020202020204" pitchFamily="34" charset="0"/>
+                <a:latin typeface="Arial" pitchFamily="34" charset="0"/>
+                <a:ea typeface="Arial" pitchFamily="34" charset="0"/>
                 <a:sym typeface="+mn-ea"/>
               </a:rPr>
               <a:t>After loading the package, we can see that the program bar has loaded the blocks made by YahBoom.</a:t>
@@ -7682,8 +7675,8 @@
                   </a:srgbClr>
                 </a:outerShdw>
               </a:effectLst>
-              <a:latin typeface="Arial" panose="020B0604020202020204" pitchFamily="34" charset="0"/>
-              <a:ea typeface="Arial" panose="020B0604020202020204" pitchFamily="34" charset="0"/>
+              <a:latin typeface="Arial" pitchFamily="34" charset="0"/>
+              <a:ea typeface="Arial" pitchFamily="34" charset="0"/>
               <a:sym typeface="+mn-ea"/>
             </a:endParaRPr>
           </a:p>
@@ -7741,8 +7734,8 @@
                     <a:lumMod val="75000"/>
                   </a:schemeClr>
                 </a:solidFill>
-                <a:latin typeface="Arial" panose="020B0604020202020204" pitchFamily="34" charset="0"/>
-                <a:ea typeface="Arial" panose="020B0604020202020204" pitchFamily="34" charset="0"/>
+                <a:latin typeface="Arial" pitchFamily="34" charset="0"/>
+                <a:ea typeface="Arial" pitchFamily="34" charset="0"/>
                 <a:sym typeface="+mn-ea"/>
               </a:rPr>
               <a:t>How to add YahBoom extension</a:t>
@@ -7754,8 +7747,8 @@
                     <a:lumMod val="75000"/>
                   </a:schemeClr>
                 </a:solidFill>
-                <a:latin typeface="Arial" panose="020B0604020202020204" pitchFamily="34" charset="0"/>
-                <a:ea typeface="Arial" panose="020B0604020202020204" pitchFamily="34" charset="0"/>
+                <a:latin typeface="Arial" pitchFamily="34" charset="0"/>
+                <a:ea typeface="Arial" pitchFamily="34" charset="0"/>
                 <a:sym typeface="+mn-ea"/>
               </a:rPr>
               <a:t> </a:t>
@@ -7766,8 +7759,8 @@
                   <a:lumMod val="75000"/>
                 </a:schemeClr>
               </a:solidFill>
-              <a:latin typeface="Arial" panose="020B0604020202020204" pitchFamily="34" charset="0"/>
-              <a:ea typeface="Arial" panose="020B0604020202020204" pitchFamily="34" charset="0"/>
+              <a:latin typeface="Arial" pitchFamily="34" charset="0"/>
+              <a:ea typeface="Arial" pitchFamily="34" charset="0"/>
               <a:sym typeface="+mn-ea"/>
             </a:endParaRPr>
           </a:p>
@@ -7843,8 +7836,8 @@
                     <a:lumMod val="75000"/>
                   </a:schemeClr>
                 </a:solidFill>
-                <a:latin typeface="Arial" panose="020B0604020202020204" pitchFamily="34" charset="0"/>
-                <a:ea typeface="Arial" panose="020B0604020202020204" pitchFamily="34" charset="0"/>
+                <a:latin typeface="Arial" pitchFamily="34" charset="0"/>
+                <a:ea typeface="Arial" pitchFamily="34" charset="0"/>
                 <a:sym typeface="+mn-ea"/>
               </a:rPr>
               <a:t>Part 4</a:t>
@@ -7855,8 +7848,8 @@
                   <a:lumMod val="75000"/>
                 </a:schemeClr>
               </a:solidFill>
-              <a:latin typeface="Arial" panose="020B0604020202020204" pitchFamily="34" charset="0"/>
-              <a:ea typeface="Arial" panose="020B0604020202020204" pitchFamily="34" charset="0"/>
+              <a:latin typeface="Arial" pitchFamily="34" charset="0"/>
+              <a:ea typeface="Arial" pitchFamily="34" charset="0"/>
               <a:sym typeface="+mn-ea"/>
             </a:endParaRPr>
           </a:p>
@@ -8113,8 +8106,8 @@
                     <a:lumMod val="75000"/>
                   </a:schemeClr>
                 </a:solidFill>
-                <a:latin typeface="Arial" panose="020B0604020202020204" pitchFamily="34" charset="0"/>
-                <a:ea typeface="Arial" panose="020B0604020202020204" pitchFamily="34" charset="0"/>
+                <a:latin typeface="Arial" pitchFamily="34" charset="0"/>
+                <a:ea typeface="Arial" pitchFamily="34" charset="0"/>
                 <a:sym typeface="+mn-ea"/>
               </a:rPr>
               <a:t>How to download </a:t>
@@ -8125,8 +8118,8 @@
                   <a:lumMod val="75000"/>
                 </a:schemeClr>
               </a:solidFill>
-              <a:latin typeface="Arial" panose="020B0604020202020204" pitchFamily="34" charset="0"/>
-              <a:ea typeface="Arial" panose="020B0604020202020204" pitchFamily="34" charset="0"/>
+              <a:latin typeface="Arial" pitchFamily="34" charset="0"/>
+              <a:ea typeface="Arial" pitchFamily="34" charset="0"/>
               <a:sym typeface="+mn-ea"/>
             </a:endParaRPr>
           </a:p>
@@ -8138,8 +8131,8 @@
                     <a:lumMod val="75000"/>
                   </a:schemeClr>
                 </a:solidFill>
-                <a:latin typeface="Arial" panose="020B0604020202020204" pitchFamily="34" charset="0"/>
-                <a:ea typeface="Arial" panose="020B0604020202020204" pitchFamily="34" charset="0"/>
+                <a:latin typeface="Arial" pitchFamily="34" charset="0"/>
+                <a:ea typeface="Arial" pitchFamily="34" charset="0"/>
                 <a:sym typeface="+mn-ea"/>
               </a:rPr>
               <a:t>micro:bit</a:t>
@@ -8151,8 +8144,8 @@
                     <a:lumMod val="75000"/>
                   </a:schemeClr>
                 </a:solidFill>
-                <a:latin typeface="Arial" panose="020B0604020202020204" pitchFamily="34" charset="0"/>
-                <a:ea typeface="Arial" panose="020B0604020202020204" pitchFamily="34" charset="0"/>
+                <a:latin typeface="Arial" pitchFamily="34" charset="0"/>
+                <a:ea typeface="Arial" pitchFamily="34" charset="0"/>
                 <a:sym typeface="+mn-ea"/>
               </a:rPr>
               <a:t> </a:t>
@@ -8164,8 +8157,8 @@
                     <a:lumMod val="75000"/>
                   </a:schemeClr>
                 </a:solidFill>
-                <a:latin typeface="Arial" panose="020B0604020202020204" pitchFamily="34" charset="0"/>
-                <a:ea typeface="Arial" panose="020B0604020202020204" pitchFamily="34" charset="0"/>
+                <a:latin typeface="Arial" pitchFamily="34" charset="0"/>
+                <a:ea typeface="Arial" pitchFamily="34" charset="0"/>
                 <a:sym typeface="+mn-ea"/>
               </a:rPr>
               <a:t>code?</a:t>
@@ -8176,8 +8169,8 @@
                   <a:lumMod val="75000"/>
                 </a:schemeClr>
               </a:solidFill>
-              <a:latin typeface="Arial" panose="020B0604020202020204" pitchFamily="34" charset="0"/>
-              <a:ea typeface="Arial" panose="020B0604020202020204" pitchFamily="34" charset="0"/>
+              <a:latin typeface="Arial" pitchFamily="34" charset="0"/>
+              <a:ea typeface="Arial" pitchFamily="34" charset="0"/>
               <a:sym typeface="+mn-ea"/>
             </a:endParaRPr>
           </a:p>
@@ -8216,8 +8209,8 @@
                     </a:srgbClr>
                   </a:outerShdw>
                 </a:effectLst>
-                <a:latin typeface="Arial" panose="020B0604020202020204" pitchFamily="34" charset="0"/>
-                <a:ea typeface="Arial" panose="020B0604020202020204" pitchFamily="34" charset="0"/>
+                <a:latin typeface="Arial" pitchFamily="34" charset="0"/>
+                <a:ea typeface="Arial" pitchFamily="34" charset="0"/>
               </a:rPr>
               <a:t>       </a:t>
             </a:r>
@@ -8233,8 +8226,8 @@
                     </a:srgbClr>
                   </a:outerShdw>
                 </a:effectLst>
-                <a:latin typeface="Arial" panose="020B0604020202020204" pitchFamily="34" charset="0"/>
-                <a:ea typeface="Arial" panose="020B0604020202020204" pitchFamily="34" charset="0"/>
+                <a:latin typeface="Arial" pitchFamily="34" charset="0"/>
+                <a:ea typeface="Arial" pitchFamily="34" charset="0"/>
               </a:rPr>
               <a:t>After the building blocks</a:t>
             </a:r>
@@ -8250,8 +8243,8 @@
                     </a:srgbClr>
                   </a:outerShdw>
                 </a:effectLst>
-                <a:latin typeface="Arial" panose="020B0604020202020204" pitchFamily="34" charset="0"/>
-                <a:ea typeface="Arial" panose="020B0604020202020204" pitchFamily="34" charset="0"/>
+                <a:latin typeface="Arial" pitchFamily="34" charset="0"/>
+                <a:ea typeface="Arial" pitchFamily="34" charset="0"/>
               </a:rPr>
               <a:t>, click Download. </a:t>
             </a:r>
@@ -8267,8 +8260,8 @@
                     </a:srgbClr>
                   </a:outerShdw>
                 </a:effectLst>
-                <a:latin typeface="Arial" panose="020B0604020202020204" pitchFamily="34" charset="0"/>
-                <a:ea typeface="Arial" panose="020B0604020202020204" pitchFamily="34" charset="0"/>
+                <a:latin typeface="Arial" pitchFamily="34" charset="0"/>
+                <a:ea typeface="Arial" pitchFamily="34" charset="0"/>
               </a:rPr>
               <a:t>You can set the download path in the U disk of micro:bit, download it to the computer, and then copy it to the U disk in micro:bit.</a:t>
             </a:r>
@@ -8283,8 +8276,8 @@
                   </a:srgbClr>
                 </a:outerShdw>
               </a:effectLst>
-              <a:latin typeface="Arial" panose="020B0604020202020204" pitchFamily="34" charset="0"/>
-              <a:ea typeface="Arial" panose="020B0604020202020204" pitchFamily="34" charset="0"/>
+              <a:latin typeface="Arial" pitchFamily="34" charset="0"/>
+              <a:ea typeface="Arial" pitchFamily="34" charset="0"/>
             </a:endParaRPr>
           </a:p>
         </p:txBody>
@@ -8315,8 +8308,8 @@
                 <a:solidFill>
                   <a:schemeClr val="bg1"/>
                 </a:solidFill>
-                <a:latin typeface="Arial" panose="020B0604020202020204" pitchFamily="34" charset="0"/>
-                <a:ea typeface="Arial" panose="020B0604020202020204" pitchFamily="34" charset="0"/>
+                <a:latin typeface="Arial" pitchFamily="34" charset="0"/>
+                <a:ea typeface="Arial" pitchFamily="34" charset="0"/>
               </a:rPr>
               <a:t>          </a:t>
             </a:r>
@@ -8325,8 +8318,8 @@
                 <a:solidFill>
                   <a:schemeClr val="bg1"/>
                 </a:solidFill>
-                <a:latin typeface="Arial" panose="020B0604020202020204" pitchFamily="34" charset="0"/>
-                <a:ea typeface="Arial" panose="020B0604020202020204" pitchFamily="34" charset="0"/>
+                <a:latin typeface="Arial" pitchFamily="34" charset="0"/>
+                <a:ea typeface="Arial" pitchFamily="34" charset="0"/>
               </a:rPr>
               <a:t>                         </a:t>
             </a:r>
@@ -8335,8 +8328,8 @@
                 <a:solidFill>
                   <a:schemeClr val="bg1"/>
                 </a:solidFill>
-                <a:latin typeface="Arial" panose="020B0604020202020204" pitchFamily="34" charset="0"/>
-                <a:ea typeface="Arial" panose="020B0604020202020204" pitchFamily="34" charset="0"/>
+                <a:latin typeface="Arial" pitchFamily="34" charset="0"/>
+                <a:ea typeface="Arial" pitchFamily="34" charset="0"/>
               </a:rPr>
               <a:t>micro:bit</a:t>
             </a:r>
@@ -8345,8 +8338,8 @@
                 <a:solidFill>
                   <a:schemeClr val="bg1"/>
                 </a:solidFill>
-                <a:latin typeface="Arial" panose="020B0604020202020204" pitchFamily="34" charset="0"/>
-                <a:ea typeface="Arial" panose="020B0604020202020204" pitchFamily="34" charset="0"/>
+                <a:latin typeface="Arial" pitchFamily="34" charset="0"/>
+                <a:ea typeface="Arial" pitchFamily="34" charset="0"/>
               </a:rPr>
               <a:t> module video tutorial</a:t>
             </a:r>
@@ -8355,21 +8348,21 @@
                 <a:solidFill>
                   <a:schemeClr val="bg1"/>
                 </a:solidFill>
-                <a:latin typeface="Arial" panose="020B0604020202020204" pitchFamily="34" charset="0"/>
-                <a:ea typeface="Arial" panose="020B0604020202020204" pitchFamily="34" charset="0"/>
+                <a:latin typeface="Arial" pitchFamily="34" charset="0"/>
+                <a:ea typeface="Arial" pitchFamily="34" charset="0"/>
               </a:rPr>
               <a:t> </a:t>
             </a:r>
             <a:r>
               <a:rPr lang="zh-CN" altLang="en-US" sz="2800" u="sng">
                 <a:latin typeface="icomoon" charset="0"/>
-                <a:ea typeface="Yu Gothic UI Semibold" panose="020B0700000000000000" charset="-128"/>
+                <a:ea typeface="Yu Gothic UI Semibold" charset="-128"/>
               </a:rPr>
               <a:t>                                </a:t>
             </a:r>
             <a:endParaRPr lang="zh-CN" altLang="en-US" sz="2800" u="sng">
               <a:latin typeface="icomoon" charset="0"/>
-              <a:ea typeface="Yu Gothic UI Semibold" panose="020B0700000000000000" charset="-128"/>
+              <a:ea typeface="Yu Gothic UI Semibold" charset="-128"/>
             </a:endParaRPr>
           </a:p>
         </p:txBody>
@@ -8769,8 +8762,8 @@
                 <a:solidFill>
                   <a:schemeClr val="bg1"/>
                 </a:solidFill>
-                <a:latin typeface="Arial" panose="020B0604020202020204" pitchFamily="34" charset="0"/>
-                <a:ea typeface="Arial" panose="020B0604020202020204" pitchFamily="34" charset="0"/>
+                <a:latin typeface="Arial" pitchFamily="34" charset="0"/>
+                <a:ea typeface="Arial" pitchFamily="34" charset="0"/>
                 <a:sym typeface="+mn-ea"/>
               </a:rPr>
               <a:t> </a:t>
@@ -8780,8 +8773,8 @@
                 <a:solidFill>
                   <a:schemeClr val="bg1"/>
                 </a:solidFill>
-                <a:latin typeface="Arial" panose="020B0604020202020204" pitchFamily="34" charset="0"/>
-                <a:ea typeface="Arial" panose="020B0604020202020204" pitchFamily="34" charset="0"/>
+                <a:latin typeface="Arial" pitchFamily="34" charset="0"/>
+                <a:ea typeface="Arial" pitchFamily="34" charset="0"/>
                 <a:sym typeface="+mn-ea"/>
               </a:rPr>
               <a:t>YahBoom     </a:t>
@@ -8791,8 +8784,8 @@
                 <a:solidFill>
                   <a:schemeClr val="bg1"/>
                 </a:solidFill>
-                <a:latin typeface="Arial" panose="020B0604020202020204" pitchFamily="34" charset="0"/>
-                <a:ea typeface="Arial" panose="020B0604020202020204" pitchFamily="34" charset="0"/>
+                <a:latin typeface="Arial" pitchFamily="34" charset="0"/>
+                <a:ea typeface="Arial" pitchFamily="34" charset="0"/>
                 <a:sym typeface="+mn-ea"/>
               </a:rPr>
               <a:t>micro:bit</a:t>
@@ -8802,8 +8795,8 @@
                 <a:solidFill>
                   <a:schemeClr val="bg1"/>
                 </a:solidFill>
-                <a:latin typeface="Arial" panose="020B0604020202020204" pitchFamily="34" charset="0"/>
-                <a:ea typeface="Arial" panose="020B0604020202020204" pitchFamily="34" charset="0"/>
+                <a:latin typeface="Arial" pitchFamily="34" charset="0"/>
+                <a:ea typeface="Arial" pitchFamily="34" charset="0"/>
                 <a:sym typeface="+mn-ea"/>
               </a:rPr>
               <a:t> video tutorial</a:t>
@@ -10211,8 +10204,8 @@
                 <a:solidFill>
                   <a:schemeClr val="bg1"/>
                 </a:solidFill>
-                <a:latin typeface="Arial" panose="020B0604020202020204" pitchFamily="34" charset="0"/>
-                <a:ea typeface="Arial" panose="020B0604020202020204" pitchFamily="34" charset="0"/>
+                <a:latin typeface="Arial" pitchFamily="34" charset="0"/>
+                <a:ea typeface="Arial" pitchFamily="34" charset="0"/>
               </a:rPr>
               <a:t>          </a:t>
             </a:r>
@@ -10221,8 +10214,8 @@
                 <a:solidFill>
                   <a:schemeClr val="bg1"/>
                 </a:solidFill>
-                <a:latin typeface="Arial" panose="020B0604020202020204" pitchFamily="34" charset="0"/>
-                <a:ea typeface="Arial" panose="020B0604020202020204" pitchFamily="34" charset="0"/>
+                <a:latin typeface="Arial" pitchFamily="34" charset="0"/>
+                <a:ea typeface="Arial" pitchFamily="34" charset="0"/>
               </a:rPr>
               <a:t>             </a:t>
             </a:r>
@@ -10231,8 +10224,8 @@
                 <a:solidFill>
                   <a:schemeClr val="bg1"/>
                 </a:solidFill>
-                <a:latin typeface="Arial" panose="020B0604020202020204" pitchFamily="34" charset="0"/>
-                <a:ea typeface="Arial" panose="020B0604020202020204" pitchFamily="34" charset="0"/>
+                <a:latin typeface="Arial" pitchFamily="34" charset="0"/>
+                <a:ea typeface="Arial" pitchFamily="34" charset="0"/>
               </a:rPr>
               <a:t>micro:bit</a:t>
             </a:r>
@@ -10241,8 +10234,8 @@
                 <a:solidFill>
                   <a:schemeClr val="bg1"/>
                 </a:solidFill>
-                <a:latin typeface="Arial" panose="020B0604020202020204" pitchFamily="34" charset="0"/>
-                <a:ea typeface="Arial" panose="020B0604020202020204" pitchFamily="34" charset="0"/>
+                <a:latin typeface="Arial" pitchFamily="34" charset="0"/>
+                <a:ea typeface="Arial" pitchFamily="34" charset="0"/>
               </a:rPr>
               <a:t> module video tutorial</a:t>
             </a:r>
@@ -10251,21 +10244,21 @@
                 <a:solidFill>
                   <a:schemeClr val="bg1"/>
                 </a:solidFill>
-                <a:latin typeface="Arial" panose="020B0604020202020204" pitchFamily="34" charset="0"/>
-                <a:ea typeface="Arial" panose="020B0604020202020204" pitchFamily="34" charset="0"/>
+                <a:latin typeface="Arial" pitchFamily="34" charset="0"/>
+                <a:ea typeface="Arial" pitchFamily="34" charset="0"/>
               </a:rPr>
               <a:t> </a:t>
             </a:r>
             <a:r>
               <a:rPr lang="zh-CN" altLang="en-US" sz="2800" u="sng">
                 <a:latin typeface="icomoon" charset="0"/>
-                <a:ea typeface="Yu Gothic UI Semibold" panose="020B0700000000000000" charset="-128"/>
+                <a:ea typeface="Yu Gothic UI Semibold" charset="-128"/>
               </a:rPr>
               <a:t>                                </a:t>
             </a:r>
             <a:endParaRPr lang="zh-CN" altLang="en-US" sz="2800" u="sng">
               <a:latin typeface="icomoon" charset="0"/>
-              <a:ea typeface="Yu Gothic UI Semibold" panose="020B0700000000000000" charset="-128"/>
+              <a:ea typeface="Yu Gothic UI Semibold" charset="-128"/>
             </a:endParaRPr>
           </a:p>
         </p:txBody>
@@ -10665,8 +10658,8 @@
                 <a:solidFill>
                   <a:schemeClr val="bg1"/>
                 </a:solidFill>
-                <a:latin typeface="Arial" panose="020B0604020202020204" pitchFamily="34" charset="0"/>
-                <a:ea typeface="Arial" panose="020B0604020202020204" pitchFamily="34" charset="0"/>
+                <a:latin typeface="Arial" pitchFamily="34" charset="0"/>
+                <a:ea typeface="Arial" pitchFamily="34" charset="0"/>
                 <a:sym typeface="+mn-ea"/>
               </a:rPr>
               <a:t> </a:t>
@@ -10676,8 +10669,8 @@
                 <a:solidFill>
                   <a:schemeClr val="bg1"/>
                 </a:solidFill>
-                <a:latin typeface="Arial" panose="020B0604020202020204" pitchFamily="34" charset="0"/>
-                <a:ea typeface="Arial" panose="020B0604020202020204" pitchFamily="34" charset="0"/>
+                <a:latin typeface="Arial" pitchFamily="34" charset="0"/>
+                <a:ea typeface="Arial" pitchFamily="34" charset="0"/>
                 <a:sym typeface="+mn-ea"/>
               </a:rPr>
               <a:t>YahBoom     </a:t>
@@ -10687,8 +10680,8 @@
                 <a:solidFill>
                   <a:schemeClr val="bg1"/>
                 </a:solidFill>
-                <a:latin typeface="Arial" panose="020B0604020202020204" pitchFamily="34" charset="0"/>
-                <a:ea typeface="Arial" panose="020B0604020202020204" pitchFamily="34" charset="0"/>
+                <a:latin typeface="Arial" pitchFamily="34" charset="0"/>
+                <a:ea typeface="Arial" pitchFamily="34" charset="0"/>
                 <a:sym typeface="+mn-ea"/>
               </a:rPr>
               <a:t>Micro:bit</a:t>
@@ -10698,8 +10691,8 @@
                 <a:solidFill>
                   <a:schemeClr val="bg1"/>
                 </a:solidFill>
-                <a:latin typeface="Arial" panose="020B0604020202020204" pitchFamily="34" charset="0"/>
-                <a:ea typeface="Arial" panose="020B0604020202020204" pitchFamily="34" charset="0"/>
+                <a:latin typeface="Arial" pitchFamily="34" charset="0"/>
+                <a:ea typeface="Arial" pitchFamily="34" charset="0"/>
                 <a:sym typeface="+mn-ea"/>
               </a:rPr>
               <a:t> video tutorial</a:t>
@@ -10760,8 +10753,8 @@
                     <a:lumMod val="75000"/>
                   </a:schemeClr>
                 </a:solidFill>
-                <a:latin typeface="Arial" panose="020B0604020202020204" pitchFamily="34" charset="0"/>
-                <a:ea typeface="Arial" panose="020B0604020202020204" pitchFamily="34" charset="0"/>
+                <a:latin typeface="Arial" pitchFamily="34" charset="0"/>
+                <a:ea typeface="Arial" pitchFamily="34" charset="0"/>
               </a:rPr>
               <a:t>Powered by  </a:t>
             </a:r>
@@ -10772,8 +10765,8 @@
                     <a:lumMod val="75000"/>
                   </a:schemeClr>
                 </a:solidFill>
-                <a:latin typeface="Arial" panose="020B0604020202020204" pitchFamily="34" charset="0"/>
-                <a:ea typeface="Arial" panose="020B0604020202020204" pitchFamily="34" charset="0"/>
+                <a:latin typeface="Arial" pitchFamily="34" charset="0"/>
+                <a:ea typeface="Arial" pitchFamily="34" charset="0"/>
               </a:rPr>
               <a:t>YahBoom</a:t>
             </a:r>
@@ -10783,8 +10776,8 @@
                   <a:lumMod val="75000"/>
                 </a:schemeClr>
               </a:solidFill>
-              <a:latin typeface="Arial" panose="020B0604020202020204" pitchFamily="34" charset="0"/>
-              <a:ea typeface="Arial" panose="020B0604020202020204" pitchFamily="34" charset="0"/>
+              <a:latin typeface="Arial" pitchFamily="34" charset="0"/>
+              <a:ea typeface="Arial" pitchFamily="34" charset="0"/>
             </a:endParaRPr>
           </a:p>
         </p:txBody>
@@ -10818,8 +10811,8 @@
                     <a:lumMod val="75000"/>
                   </a:schemeClr>
                 </a:solidFill>
-                <a:latin typeface="Arial" panose="020B0604020202020204" pitchFamily="34" charset="0"/>
-                <a:ea typeface="Arial" panose="020B0604020202020204" pitchFamily="34" charset="0"/>
+                <a:latin typeface="Arial" pitchFamily="34" charset="0"/>
+                <a:ea typeface="Arial" pitchFamily="34" charset="0"/>
               </a:rPr>
               <a:t>micro:bit</a:t>
             </a:r>
@@ -10829,8 +10822,8 @@
                   <a:lumMod val="75000"/>
                 </a:schemeClr>
               </a:solidFill>
-              <a:latin typeface="Arial" panose="020B0604020202020204" pitchFamily="34" charset="0"/>
-              <a:ea typeface="Arial" panose="020B0604020202020204" pitchFamily="34" charset="0"/>
+              <a:latin typeface="Arial" pitchFamily="34" charset="0"/>
+              <a:ea typeface="Arial" pitchFamily="34" charset="0"/>
             </a:endParaRPr>
           </a:p>
           <a:p>
@@ -10842,8 +10835,8 @@
                     <a:lumMod val="75000"/>
                   </a:schemeClr>
                 </a:solidFill>
-                <a:latin typeface="Arial" panose="020B0604020202020204" pitchFamily="34" charset="0"/>
-                <a:ea typeface="Arial" panose="020B0604020202020204" pitchFamily="34" charset="0"/>
+                <a:latin typeface="Arial" pitchFamily="34" charset="0"/>
+                <a:ea typeface="Arial" pitchFamily="34" charset="0"/>
               </a:rPr>
               <a:t>project </a:t>
             </a:r>
@@ -10853,8 +10846,8 @@
                   <a:lumMod val="75000"/>
                 </a:schemeClr>
               </a:solidFill>
-              <a:latin typeface="Arial" panose="020B0604020202020204" pitchFamily="34" charset="0"/>
-              <a:ea typeface="Arial" panose="020B0604020202020204" pitchFamily="34" charset="0"/>
+              <a:latin typeface="Arial" pitchFamily="34" charset="0"/>
+              <a:ea typeface="Arial" pitchFamily="34" charset="0"/>
             </a:endParaRPr>
           </a:p>
         </p:txBody>
@@ -10888,8 +10881,8 @@
                     <a:lumMod val="75000"/>
                   </a:schemeClr>
                 </a:solidFill>
-                <a:latin typeface="Arial" panose="020B0604020202020204" pitchFamily="34" charset="0"/>
-                <a:ea typeface="Arial" panose="020B0604020202020204" pitchFamily="34" charset="0"/>
+                <a:latin typeface="Arial" pitchFamily="34" charset="0"/>
+                <a:ea typeface="Arial" pitchFamily="34" charset="0"/>
               </a:rPr>
               <a:t>Thanks for watching！</a:t>
             </a:r>
@@ -10899,8 +10892,8 @@
                   <a:lumMod val="75000"/>
                 </a:schemeClr>
               </a:solidFill>
-              <a:latin typeface="Arial" panose="020B0604020202020204" pitchFamily="34" charset="0"/>
-              <a:ea typeface="Arial" panose="020B0604020202020204" pitchFamily="34" charset="0"/>
+              <a:latin typeface="Arial" pitchFamily="34" charset="0"/>
+              <a:ea typeface="Arial" pitchFamily="34" charset="0"/>
             </a:endParaRPr>
           </a:p>
         </p:txBody>
@@ -12403,22 +12396,22 @@
                   <a:solidFill>
                     <a:schemeClr val="tx1"/>
                   </a:solidFill>
-                  <a:latin typeface="Arial" panose="020B0604020202020204" pitchFamily="34" charset="0"/>
-                  <a:ea typeface="Arial" panose="020B0604020202020204" pitchFamily="34" charset="0"/>
+                  <a:latin typeface="Arial" pitchFamily="34" charset="0"/>
+                  <a:ea typeface="Arial" pitchFamily="34" charset="0"/>
                   <a:sym typeface="+mn-ea"/>
                 </a:rPr>
                 <a:t>Part</a:t>
               </a:r>
               <a:r>
                 <a:rPr lang="en-US" altLang="zh-CN" dirty="0" smtClean="0">
-                  <a:latin typeface="Arial" panose="020B0604020202020204" pitchFamily="34" charset="0"/>
-                  <a:ea typeface="Arial" panose="020B0604020202020204" pitchFamily="34" charset="0"/>
+                  <a:latin typeface="Arial" pitchFamily="34" charset="0"/>
+                  <a:ea typeface="Arial" pitchFamily="34" charset="0"/>
                 </a:rPr>
                 <a:t> 1</a:t>
               </a:r>
               <a:endParaRPr lang="zh-CN" altLang="en-US" dirty="0">
-                <a:latin typeface="Arial" panose="020B0604020202020204" pitchFamily="34" charset="0"/>
-                <a:ea typeface="Arial" panose="020B0604020202020204" pitchFamily="34" charset="0"/>
+                <a:latin typeface="Arial" pitchFamily="34" charset="0"/>
+                <a:ea typeface="Arial" pitchFamily="34" charset="0"/>
               </a:endParaRPr>
             </a:p>
           </p:txBody>
@@ -12453,8 +12446,8 @@
                       <a:lumMod val="75000"/>
                     </a:schemeClr>
                   </a:solidFill>
-                  <a:latin typeface="Arial" panose="020B0604020202020204" pitchFamily="34" charset="0"/>
-                  <a:ea typeface="Arial" panose="020B0604020202020204" pitchFamily="34" charset="0"/>
+                  <a:latin typeface="Arial" pitchFamily="34" charset="0"/>
+                  <a:ea typeface="Arial" pitchFamily="34" charset="0"/>
                   <a:hlinkClick r:id="rId2" action="ppaction://hlinksldjump"/>
                 </a:rPr>
                 <a:t>micro:bit introduce</a:t>
@@ -12465,8 +12458,8 @@
                     <a:lumMod val="75000"/>
                   </a:schemeClr>
                 </a:solidFill>
-                <a:latin typeface="Arial" panose="020B0604020202020204" pitchFamily="34" charset="0"/>
-                <a:ea typeface="Arial" panose="020B0604020202020204" pitchFamily="34" charset="0"/>
+                <a:latin typeface="Arial" pitchFamily="34" charset="0"/>
+                <a:ea typeface="Arial" pitchFamily="34" charset="0"/>
               </a:endParaRPr>
             </a:p>
           </p:txBody>
@@ -12504,22 +12497,22 @@
                   <a:solidFill>
                     <a:schemeClr val="tx1"/>
                   </a:solidFill>
-                  <a:latin typeface="Arial" panose="020B0604020202020204" pitchFamily="34" charset="0"/>
-                  <a:ea typeface="Arial" panose="020B0604020202020204" pitchFamily="34" charset="0"/>
+                  <a:latin typeface="Arial" pitchFamily="34" charset="0"/>
+                  <a:ea typeface="Arial" pitchFamily="34" charset="0"/>
                   <a:sym typeface="+mn-ea"/>
                 </a:rPr>
                 <a:t>Part</a:t>
               </a:r>
               <a:r>
                 <a:rPr lang="en-US" altLang="zh-CN" dirty="0" smtClean="0">
-                  <a:latin typeface="Arial" panose="020B0604020202020204" pitchFamily="34" charset="0"/>
-                  <a:ea typeface="Arial" panose="020B0604020202020204" pitchFamily="34" charset="0"/>
+                  <a:latin typeface="Arial" pitchFamily="34" charset="0"/>
+                  <a:ea typeface="Arial" pitchFamily="34" charset="0"/>
                 </a:rPr>
                 <a:t> 2</a:t>
               </a:r>
               <a:endParaRPr lang="zh-CN" altLang="en-US" dirty="0">
-                <a:latin typeface="Arial" panose="020B0604020202020204" pitchFamily="34" charset="0"/>
-                <a:ea typeface="Arial" panose="020B0604020202020204" pitchFamily="34" charset="0"/>
+                <a:latin typeface="Arial" pitchFamily="34" charset="0"/>
+                <a:ea typeface="Arial" pitchFamily="34" charset="0"/>
               </a:endParaRPr>
             </a:p>
           </p:txBody>
@@ -12554,8 +12547,8 @@
                       <a:lumMod val="75000"/>
                     </a:schemeClr>
                   </a:solidFill>
-                  <a:latin typeface="Arial" panose="020B0604020202020204" pitchFamily="34" charset="0"/>
-                  <a:ea typeface="Arial" panose="020B0604020202020204" pitchFamily="34" charset="0"/>
+                  <a:latin typeface="Arial" pitchFamily="34" charset="0"/>
+                  <a:ea typeface="Arial" pitchFamily="34" charset="0"/>
                   <a:hlinkClick r:id="rId3" action="ppaction://hlinksldjump"/>
                 </a:rPr>
                 <a:t>Open programming web</a:t>
@@ -12566,8 +12559,8 @@
                     <a:lumMod val="75000"/>
                   </a:schemeClr>
                 </a:solidFill>
-                <a:latin typeface="Arial" panose="020B0604020202020204" pitchFamily="34" charset="0"/>
-                <a:ea typeface="Arial" panose="020B0604020202020204" pitchFamily="34" charset="0"/>
+                <a:latin typeface="Arial" pitchFamily="34" charset="0"/>
+                <a:ea typeface="Arial" pitchFamily="34" charset="0"/>
                 <a:hlinkClick r:id="rId3" action="ppaction://hlinksldjump"/>
               </a:endParaRPr>
             </a:p>
@@ -12606,22 +12599,22 @@
                   <a:solidFill>
                     <a:schemeClr val="tx1"/>
                   </a:solidFill>
-                  <a:latin typeface="Arial" panose="020B0604020202020204" pitchFamily="34" charset="0"/>
-                  <a:ea typeface="Arial" panose="020B0604020202020204" pitchFamily="34" charset="0"/>
+                  <a:latin typeface="Arial" pitchFamily="34" charset="0"/>
+                  <a:ea typeface="Arial" pitchFamily="34" charset="0"/>
                   <a:sym typeface="+mn-ea"/>
                 </a:rPr>
                 <a:t>Part </a:t>
               </a:r>
               <a:r>
                 <a:rPr lang="en-US" altLang="zh-CN" dirty="0" smtClean="0">
-                  <a:latin typeface="Arial" panose="020B0604020202020204" pitchFamily="34" charset="0"/>
-                  <a:ea typeface="Arial" panose="020B0604020202020204" pitchFamily="34" charset="0"/>
+                  <a:latin typeface="Arial" pitchFamily="34" charset="0"/>
+                  <a:ea typeface="Arial" pitchFamily="34" charset="0"/>
                 </a:rPr>
                 <a:t>3</a:t>
               </a:r>
               <a:endParaRPr lang="zh-CN" altLang="en-US" dirty="0">
-                <a:latin typeface="Arial" panose="020B0604020202020204" pitchFamily="34" charset="0"/>
-                <a:ea typeface="Arial" panose="020B0604020202020204" pitchFamily="34" charset="0"/>
+                <a:latin typeface="Arial" pitchFamily="34" charset="0"/>
+                <a:ea typeface="Arial" pitchFamily="34" charset="0"/>
               </a:endParaRPr>
             </a:p>
           </p:txBody>
@@ -12655,8 +12648,8 @@
                       <a:lumMod val="75000"/>
                     </a:schemeClr>
                   </a:solidFill>
-                  <a:latin typeface="Arial" panose="020B0604020202020204" pitchFamily="34" charset="0"/>
-                  <a:ea typeface="Arial" panose="020B0604020202020204" pitchFamily="34" charset="0"/>
+                  <a:latin typeface="Arial" pitchFamily="34" charset="0"/>
+                  <a:ea typeface="Arial" pitchFamily="34" charset="0"/>
                   <a:hlinkClick r:id="rId4" action="ppaction://hlinksldjump"/>
                 </a:rPr>
                 <a:t>Add YahBoom extension </a:t>
@@ -12667,8 +12660,8 @@
                     <a:lumMod val="75000"/>
                   </a:schemeClr>
                 </a:solidFill>
-                <a:latin typeface="Arial" panose="020B0604020202020204" pitchFamily="34" charset="0"/>
-                <a:ea typeface="Arial" panose="020B0604020202020204" pitchFamily="34" charset="0"/>
+                <a:latin typeface="Arial" pitchFamily="34" charset="0"/>
+                <a:ea typeface="Arial" pitchFamily="34" charset="0"/>
                 <a:hlinkClick r:id="rId4" action="ppaction://hlinksldjump"/>
               </a:endParaRPr>
             </a:p>
@@ -12707,22 +12700,22 @@
                   <a:solidFill>
                     <a:schemeClr val="tx1"/>
                   </a:solidFill>
-                  <a:latin typeface="Arial" panose="020B0604020202020204" pitchFamily="34" charset="0"/>
-                  <a:ea typeface="Arial" panose="020B0604020202020204" pitchFamily="34" charset="0"/>
+                  <a:latin typeface="Arial" pitchFamily="34" charset="0"/>
+                  <a:ea typeface="Arial" pitchFamily="34" charset="0"/>
                   <a:sym typeface="+mn-ea"/>
                 </a:rPr>
                 <a:t>Part </a:t>
               </a:r>
               <a:r>
                 <a:rPr lang="en-US" altLang="zh-CN" dirty="0" smtClean="0">
-                  <a:latin typeface="Arial" panose="020B0604020202020204" pitchFamily="34" charset="0"/>
-                  <a:ea typeface="Arial" panose="020B0604020202020204" pitchFamily="34" charset="0"/>
+                  <a:latin typeface="Arial" pitchFamily="34" charset="0"/>
+                  <a:ea typeface="Arial" pitchFamily="34" charset="0"/>
                 </a:rPr>
                 <a:t>4</a:t>
               </a:r>
               <a:endParaRPr lang="zh-CN" altLang="en-US" dirty="0">
-                <a:latin typeface="Arial" panose="020B0604020202020204" pitchFamily="34" charset="0"/>
-                <a:ea typeface="Arial" panose="020B0604020202020204" pitchFamily="34" charset="0"/>
+                <a:latin typeface="Arial" pitchFamily="34" charset="0"/>
+                <a:ea typeface="Arial" pitchFamily="34" charset="0"/>
               </a:endParaRPr>
             </a:p>
           </p:txBody>
@@ -12756,8 +12749,8 @@
                       <a:lumMod val="75000"/>
                     </a:schemeClr>
                   </a:solidFill>
-                  <a:latin typeface="Arial" panose="020B0604020202020204" pitchFamily="34" charset="0"/>
-                  <a:ea typeface="Arial" panose="020B0604020202020204" pitchFamily="34" charset="0"/>
+                  <a:latin typeface="Arial" pitchFamily="34" charset="0"/>
+                  <a:ea typeface="Arial" pitchFamily="34" charset="0"/>
                   <a:hlinkClick r:id="rId5" action="ppaction://hlinksldjump"/>
                 </a:rPr>
                 <a:t>Downtown </a:t>
@@ -12768,8 +12761,8 @@
                     <a:lumMod val="75000"/>
                   </a:schemeClr>
                 </a:solidFill>
-                <a:latin typeface="Arial" panose="020B0604020202020204" pitchFamily="34" charset="0"/>
-                <a:ea typeface="Arial" panose="020B0604020202020204" pitchFamily="34" charset="0"/>
+                <a:latin typeface="Arial" pitchFamily="34" charset="0"/>
+                <a:ea typeface="Arial" pitchFamily="34" charset="0"/>
                 <a:hlinkClick r:id="rId5" action="ppaction://hlinksldjump"/>
               </a:endParaRPr>
             </a:p>
@@ -12802,8 +12795,8 @@
                 <a:solidFill>
                   <a:schemeClr val="bg1"/>
                 </a:solidFill>
-                <a:latin typeface="Arial" panose="020B0604020202020204" pitchFamily="34" charset="0"/>
-                <a:ea typeface="Arial" panose="020B0604020202020204" pitchFamily="34" charset="0"/>
+                <a:latin typeface="Arial" pitchFamily="34" charset="0"/>
+                <a:ea typeface="Arial" pitchFamily="34" charset="0"/>
               </a:rPr>
               <a:t>      </a:t>
             </a:r>
@@ -12812,8 +12805,8 @@
                 <a:solidFill>
                   <a:schemeClr val="bg1"/>
                 </a:solidFill>
-                <a:latin typeface="Arial" panose="020B0604020202020204" pitchFamily="34" charset="0"/>
-                <a:ea typeface="Arial" panose="020B0604020202020204" pitchFamily="34" charset="0"/>
+                <a:latin typeface="Arial" pitchFamily="34" charset="0"/>
+                <a:ea typeface="Arial" pitchFamily="34" charset="0"/>
               </a:rPr>
               <a:t>                         </a:t>
             </a:r>
@@ -12822,8 +12815,8 @@
                 <a:solidFill>
                   <a:schemeClr val="bg1"/>
                 </a:solidFill>
-                <a:latin typeface="Arial" panose="020B0604020202020204" pitchFamily="34" charset="0"/>
-                <a:ea typeface="Arial" panose="020B0604020202020204" pitchFamily="34" charset="0"/>
+                <a:latin typeface="Arial" pitchFamily="34" charset="0"/>
+                <a:ea typeface="Arial" pitchFamily="34" charset="0"/>
               </a:rPr>
               <a:t>micro:bit</a:t>
             </a:r>
@@ -12832,8 +12825,8 @@
                 <a:solidFill>
                   <a:schemeClr val="bg1"/>
                 </a:solidFill>
-                <a:latin typeface="Arial" panose="020B0604020202020204" pitchFamily="34" charset="0"/>
-                <a:ea typeface="Arial" panose="020B0604020202020204" pitchFamily="34" charset="0"/>
+                <a:latin typeface="Arial" pitchFamily="34" charset="0"/>
+                <a:ea typeface="Arial" pitchFamily="34" charset="0"/>
               </a:rPr>
               <a:t> module video tutorial</a:t>
             </a:r>
@@ -12842,21 +12835,21 @@
                 <a:solidFill>
                   <a:schemeClr val="bg1"/>
                 </a:solidFill>
-                <a:latin typeface="Arial" panose="020B0604020202020204" pitchFamily="34" charset="0"/>
-                <a:ea typeface="Arial" panose="020B0604020202020204" pitchFamily="34" charset="0"/>
+                <a:latin typeface="Arial" pitchFamily="34" charset="0"/>
+                <a:ea typeface="Arial" pitchFamily="34" charset="0"/>
               </a:rPr>
               <a:t> </a:t>
             </a:r>
             <a:r>
               <a:rPr lang="zh-CN" altLang="en-US" sz="2800" u="sng">
                 <a:latin typeface="icomoon" charset="0"/>
-                <a:ea typeface="Yu Gothic UI Semibold" panose="020B0700000000000000" charset="-128"/>
+                <a:ea typeface="Yu Gothic UI Semibold" charset="-128"/>
               </a:rPr>
               <a:t>                                </a:t>
             </a:r>
             <a:endParaRPr lang="zh-CN" altLang="en-US" sz="2800" u="sng">
               <a:latin typeface="icomoon" charset="0"/>
-              <a:ea typeface="Yu Gothic UI Semibold" panose="020B0700000000000000" charset="-128"/>
+              <a:ea typeface="Yu Gothic UI Semibold" charset="-128"/>
             </a:endParaRPr>
           </a:p>
         </p:txBody>
@@ -13256,8 +13249,8 @@
                 <a:solidFill>
                   <a:schemeClr val="bg1"/>
                 </a:solidFill>
-                <a:latin typeface="Arial" panose="020B0604020202020204" pitchFamily="34" charset="0"/>
-                <a:ea typeface="Arial" panose="020B0604020202020204" pitchFamily="34" charset="0"/>
+                <a:latin typeface="Arial" pitchFamily="34" charset="0"/>
+                <a:ea typeface="Arial" pitchFamily="34" charset="0"/>
                 <a:sym typeface="+mn-ea"/>
               </a:rPr>
               <a:t> </a:t>
@@ -13267,8 +13260,8 @@
                 <a:solidFill>
                   <a:schemeClr val="bg1"/>
                 </a:solidFill>
-                <a:latin typeface="Arial" panose="020B0604020202020204" pitchFamily="34" charset="0"/>
-                <a:ea typeface="Arial" panose="020B0604020202020204" pitchFamily="34" charset="0"/>
+                <a:latin typeface="Arial" pitchFamily="34" charset="0"/>
+                <a:ea typeface="Arial" pitchFamily="34" charset="0"/>
                 <a:sym typeface="+mn-ea"/>
               </a:rPr>
               <a:t>YahBoom     </a:t>
@@ -13278,8 +13271,8 @@
                 <a:solidFill>
                   <a:schemeClr val="bg1"/>
                 </a:solidFill>
-                <a:latin typeface="Arial" panose="020B0604020202020204" pitchFamily="34" charset="0"/>
-                <a:ea typeface="Arial" panose="020B0604020202020204" pitchFamily="34" charset="0"/>
+                <a:latin typeface="Arial" pitchFamily="34" charset="0"/>
+                <a:ea typeface="Arial" pitchFamily="34" charset="0"/>
                 <a:sym typeface="+mn-ea"/>
               </a:rPr>
               <a:t>Micro:bit</a:t>
@@ -13289,8 +13282,8 @@
                 <a:solidFill>
                   <a:schemeClr val="bg1"/>
                 </a:solidFill>
-                <a:latin typeface="Arial" panose="020B0604020202020204" pitchFamily="34" charset="0"/>
-                <a:ea typeface="Arial" panose="020B0604020202020204" pitchFamily="34" charset="0"/>
+                <a:latin typeface="Arial" pitchFamily="34" charset="0"/>
+                <a:ea typeface="Arial" pitchFamily="34" charset="0"/>
                 <a:sym typeface="+mn-ea"/>
               </a:rPr>
               <a:t> video tutorial</a:t>
@@ -13352,8 +13345,8 @@
                     <a:lumMod val="75000"/>
                   </a:schemeClr>
                 </a:solidFill>
-                <a:latin typeface="Arial" panose="020B0604020202020204" pitchFamily="34" charset="0"/>
-                <a:ea typeface="Arial" panose="020B0604020202020204" pitchFamily="34" charset="0"/>
+                <a:latin typeface="Arial" pitchFamily="34" charset="0"/>
+                <a:ea typeface="Arial" pitchFamily="34" charset="0"/>
               </a:rPr>
               <a:t>C</a:t>
             </a:r>
@@ -13364,8 +13357,8 @@
                     <a:lumMod val="75000"/>
                   </a:schemeClr>
                 </a:solidFill>
-                <a:latin typeface="Arial" panose="020B0604020202020204" pitchFamily="34" charset="0"/>
-                <a:ea typeface="Arial" panose="020B0604020202020204" pitchFamily="34" charset="0"/>
+                <a:latin typeface="Arial" pitchFamily="34" charset="0"/>
+                <a:ea typeface="Arial" pitchFamily="34" charset="0"/>
               </a:rPr>
               <a:t>ontent</a:t>
             </a:r>
@@ -13375,8 +13368,8 @@
                   <a:lumMod val="75000"/>
                 </a:schemeClr>
               </a:solidFill>
-              <a:latin typeface="Arial" panose="020B0604020202020204" pitchFamily="34" charset="0"/>
-              <a:ea typeface="Arial" panose="020B0604020202020204" pitchFamily="34" charset="0"/>
+              <a:latin typeface="Arial" pitchFamily="34" charset="0"/>
+              <a:ea typeface="Arial" pitchFamily="34" charset="0"/>
             </a:endParaRPr>
           </a:p>
         </p:txBody>
@@ -13435,8 +13428,8 @@
                 <a:solidFill>
                   <a:schemeClr val="bg1"/>
                 </a:solidFill>
-                <a:latin typeface="Arial" panose="020B0604020202020204" pitchFamily="34" charset="0"/>
-                <a:ea typeface="Arial" panose="020B0604020202020204" pitchFamily="34" charset="0"/>
+                <a:latin typeface="Arial" pitchFamily="34" charset="0"/>
+                <a:ea typeface="Arial" pitchFamily="34" charset="0"/>
               </a:rPr>
               <a:t>          </a:t>
             </a:r>
@@ -13445,8 +13438,8 @@
                 <a:solidFill>
                   <a:schemeClr val="bg1"/>
                 </a:solidFill>
-                <a:latin typeface="Arial" panose="020B0604020202020204" pitchFamily="34" charset="0"/>
-                <a:ea typeface="Arial" panose="020B0604020202020204" pitchFamily="34" charset="0"/>
+                <a:latin typeface="Arial" pitchFamily="34" charset="0"/>
+                <a:ea typeface="Arial" pitchFamily="34" charset="0"/>
               </a:rPr>
               <a:t>                    </a:t>
             </a:r>
@@ -13455,8 +13448,8 @@
                 <a:solidFill>
                   <a:schemeClr val="bg1"/>
                 </a:solidFill>
-                <a:latin typeface="Arial" panose="020B0604020202020204" pitchFamily="34" charset="0"/>
-                <a:ea typeface="Arial" panose="020B0604020202020204" pitchFamily="34" charset="0"/>
+                <a:latin typeface="Arial" pitchFamily="34" charset="0"/>
+                <a:ea typeface="Arial" pitchFamily="34" charset="0"/>
               </a:rPr>
               <a:t>micro:bit</a:t>
             </a:r>
@@ -13465,8 +13458,8 @@
                 <a:solidFill>
                   <a:schemeClr val="bg1"/>
                 </a:solidFill>
-                <a:latin typeface="Arial" panose="020B0604020202020204" pitchFamily="34" charset="0"/>
-                <a:ea typeface="Arial" panose="020B0604020202020204" pitchFamily="34" charset="0"/>
+                <a:latin typeface="Arial" pitchFamily="34" charset="0"/>
+                <a:ea typeface="Arial" pitchFamily="34" charset="0"/>
               </a:rPr>
               <a:t> module video tutorial</a:t>
             </a:r>
@@ -13475,21 +13468,21 @@
                 <a:solidFill>
                   <a:schemeClr val="bg1"/>
                 </a:solidFill>
-                <a:latin typeface="Arial" panose="020B0604020202020204" pitchFamily="34" charset="0"/>
-                <a:ea typeface="Arial" panose="020B0604020202020204" pitchFamily="34" charset="0"/>
+                <a:latin typeface="Arial" pitchFamily="34" charset="0"/>
+                <a:ea typeface="Arial" pitchFamily="34" charset="0"/>
               </a:rPr>
               <a:t> </a:t>
             </a:r>
             <a:r>
               <a:rPr lang="zh-CN" altLang="en-US" sz="2800" u="sng">
                 <a:latin typeface="icomoon" charset="0"/>
-                <a:ea typeface="Yu Gothic UI Semibold" panose="020B0700000000000000" charset="-128"/>
+                <a:ea typeface="Yu Gothic UI Semibold" charset="-128"/>
               </a:rPr>
               <a:t>                                </a:t>
             </a:r>
             <a:endParaRPr lang="zh-CN" altLang="en-US" sz="2800" u="sng">
               <a:latin typeface="icomoon" charset="0"/>
-              <a:ea typeface="Yu Gothic UI Semibold" panose="020B0700000000000000" charset="-128"/>
+              <a:ea typeface="Yu Gothic UI Semibold" charset="-128"/>
             </a:endParaRPr>
           </a:p>
         </p:txBody>
@@ -13889,8 +13882,8 @@
                 <a:solidFill>
                   <a:schemeClr val="bg1"/>
                 </a:solidFill>
-                <a:latin typeface="Arial" panose="020B0604020202020204" pitchFamily="34" charset="0"/>
-                <a:ea typeface="Arial" panose="020B0604020202020204" pitchFamily="34" charset="0"/>
+                <a:latin typeface="Arial" pitchFamily="34" charset="0"/>
+                <a:ea typeface="Arial" pitchFamily="34" charset="0"/>
                 <a:sym typeface="+mn-ea"/>
               </a:rPr>
               <a:t> </a:t>
@@ -13900,8 +13893,8 @@
                 <a:solidFill>
                   <a:schemeClr val="bg1"/>
                 </a:solidFill>
-                <a:latin typeface="Arial" panose="020B0604020202020204" pitchFamily="34" charset="0"/>
-                <a:ea typeface="Arial" panose="020B0604020202020204" pitchFamily="34" charset="0"/>
+                <a:latin typeface="Arial" pitchFamily="34" charset="0"/>
+                <a:ea typeface="Arial" pitchFamily="34" charset="0"/>
                 <a:sym typeface="+mn-ea"/>
               </a:rPr>
               <a:t>YahBoom     </a:t>
@@ -13911,8 +13904,8 @@
                 <a:solidFill>
                   <a:schemeClr val="bg1"/>
                 </a:solidFill>
-                <a:latin typeface="Arial" panose="020B0604020202020204" pitchFamily="34" charset="0"/>
-                <a:ea typeface="Arial" panose="020B0604020202020204" pitchFamily="34" charset="0"/>
+                <a:latin typeface="Arial" pitchFamily="34" charset="0"/>
+                <a:ea typeface="Arial" pitchFamily="34" charset="0"/>
                 <a:sym typeface="+mn-ea"/>
               </a:rPr>
               <a:t>micro:bit</a:t>
@@ -13922,8 +13915,8 @@
                 <a:solidFill>
                   <a:schemeClr val="bg1"/>
                 </a:solidFill>
-                <a:latin typeface="Arial" panose="020B0604020202020204" pitchFamily="34" charset="0"/>
-                <a:ea typeface="Arial" panose="020B0604020202020204" pitchFamily="34" charset="0"/>
+                <a:latin typeface="Arial" pitchFamily="34" charset="0"/>
+                <a:ea typeface="Arial" pitchFamily="34" charset="0"/>
                 <a:sym typeface="+mn-ea"/>
               </a:rPr>
               <a:t> video tutorial</a:t>
@@ -14051,8 +14044,8 @@
                     </a:srgbClr>
                   </a:outerShdw>
                 </a:effectLst>
-                <a:latin typeface="微软雅黑 Light" panose="020B0502040204020203" charset="-122"/>
-                <a:ea typeface="微软雅黑 Light" panose="020B0502040204020203" charset="-122"/>
+                <a:latin typeface="微软雅黑 Light" charset="-122"/>
+                <a:ea typeface="微软雅黑 Light" charset="-122"/>
               </a:endParaRPr>
             </a:p>
           </p:txBody>
@@ -14284,15 +14277,15 @@
                     <a:lumMod val="75000"/>
                   </a:schemeClr>
                 </a:solidFill>
-                <a:latin typeface="Arial" panose="020B0604020202020204" pitchFamily="34" charset="0"/>
-                <a:ea typeface="Arial" panose="020B0604020202020204" pitchFamily="34" charset="0"/>
+                <a:latin typeface="Arial" pitchFamily="34" charset="0"/>
+                <a:ea typeface="Arial" pitchFamily="34" charset="0"/>
                 <a:sym typeface="+mn-ea"/>
               </a:rPr>
               <a:t>Part 1</a:t>
             </a:r>
             <a:endParaRPr lang="zh-CN" altLang="en-US" sz="2800" dirty="0">
-              <a:latin typeface="Arial" panose="020B0604020202020204" pitchFamily="34" charset="0"/>
-              <a:ea typeface="Arial" panose="020B0604020202020204" pitchFamily="34" charset="0"/>
+              <a:latin typeface="Arial" pitchFamily="34" charset="0"/>
+              <a:ea typeface="Arial" pitchFamily="34" charset="0"/>
             </a:endParaRPr>
           </a:p>
         </p:txBody>
@@ -14554,8 +14547,8 @@
                     </a:srgbClr>
                   </a:outerShdw>
                 </a:effectLst>
-                <a:latin typeface="Arial" panose="020B0604020202020204" pitchFamily="34" charset="0"/>
-                <a:ea typeface="Arial" panose="020B0604020202020204" pitchFamily="34" charset="0"/>
+                <a:latin typeface="Arial" pitchFamily="34" charset="0"/>
+                <a:ea typeface="Arial" pitchFamily="34" charset="0"/>
                 <a:sym typeface="+mn-ea"/>
               </a:rPr>
               <a:t>What's </a:t>
@@ -14572,8 +14565,8 @@
                     </a:srgbClr>
                   </a:outerShdw>
                 </a:effectLst>
-                <a:latin typeface="Arial" panose="020B0604020202020204" pitchFamily="34" charset="0"/>
-                <a:ea typeface="Arial" panose="020B0604020202020204" pitchFamily="34" charset="0"/>
+                <a:latin typeface="Arial" pitchFamily="34" charset="0"/>
+                <a:ea typeface="Arial" pitchFamily="34" charset="0"/>
                 <a:sym typeface="+mn-ea"/>
               </a:rPr>
               <a:t>micro:bit</a:t>
@@ -14590,8 +14583,8 @@
                     </a:srgbClr>
                   </a:outerShdw>
                 </a:effectLst>
-                <a:latin typeface="Arial" panose="020B0604020202020204" pitchFamily="34" charset="0"/>
-                <a:ea typeface="Arial" panose="020B0604020202020204" pitchFamily="34" charset="0"/>
+                <a:latin typeface="Arial" pitchFamily="34" charset="0"/>
+                <a:ea typeface="Arial" pitchFamily="34" charset="0"/>
                 <a:sym typeface="+mn-ea"/>
               </a:rPr>
               <a:t>?</a:t>
@@ -14607,8 +14600,8 @@
                   </a:srgbClr>
                 </a:outerShdw>
               </a:effectLst>
-              <a:latin typeface="Arial" panose="020B0604020202020204" pitchFamily="34" charset="0"/>
-              <a:ea typeface="Arial" panose="020B0604020202020204" pitchFamily="34" charset="0"/>
+              <a:latin typeface="Arial" pitchFamily="34" charset="0"/>
+              <a:ea typeface="Arial" pitchFamily="34" charset="0"/>
               <a:sym typeface="+mn-ea"/>
             </a:endParaRPr>
           </a:p>
@@ -14643,8 +14636,8 @@
                     <a:lumMod val="75000"/>
                   </a:schemeClr>
                 </a:solidFill>
-                <a:latin typeface="微软雅黑 Light" panose="020B0502040204020203" charset="-122"/>
-                <a:ea typeface="微软雅黑 Light" panose="020B0502040204020203" charset="-122"/>
+                <a:latin typeface="微软雅黑 Light" charset="-122"/>
+                <a:ea typeface="微软雅黑 Light" charset="-122"/>
               </a:rPr>
               <a:t>       </a:t>
             </a:r>
@@ -14655,8 +14648,8 @@
                     <a:lumMod val="75000"/>
                   </a:schemeClr>
                 </a:solidFill>
-                <a:latin typeface="Arial" panose="020B0604020202020204" pitchFamily="34" charset="0"/>
-                <a:ea typeface="Arial" panose="020B0604020202020204" pitchFamily="34" charset="0"/>
+                <a:latin typeface="Arial" pitchFamily="34" charset="0"/>
+                <a:ea typeface="Arial" pitchFamily="34" charset="0"/>
               </a:rPr>
               <a:t>Micro:</a:t>
             </a:r>
@@ -14667,8 +14660,8 @@
                     <a:lumMod val="75000"/>
                   </a:schemeClr>
                 </a:solidFill>
-                <a:latin typeface="Arial" panose="020B0604020202020204" pitchFamily="34" charset="0"/>
-                <a:ea typeface="Arial" panose="020B0604020202020204" pitchFamily="34" charset="0"/>
+                <a:latin typeface="Arial" pitchFamily="34" charset="0"/>
+                <a:ea typeface="Arial" pitchFamily="34" charset="0"/>
               </a:rPr>
               <a:t>Bit is a microcomputer designed by the </a:t>
             </a:r>
@@ -14679,8 +14672,8 @@
                     <a:lumMod val="75000"/>
                   </a:schemeClr>
                 </a:solidFill>
-                <a:latin typeface="Arial" panose="020B0604020202020204" pitchFamily="34" charset="0"/>
-                <a:ea typeface="Arial" panose="020B0604020202020204" pitchFamily="34" charset="0"/>
+                <a:latin typeface="Arial" pitchFamily="34" charset="0"/>
+                <a:ea typeface="Arial" pitchFamily="34" charset="0"/>
               </a:rPr>
               <a:t>BBC </a:t>
             </a:r>
@@ -14691,8 +14684,8 @@
                     <a:lumMod val="75000"/>
                   </a:schemeClr>
                 </a:solidFill>
-                <a:latin typeface="Arial" panose="020B0604020202020204" pitchFamily="34" charset="0"/>
-                <a:ea typeface="Arial" panose="020B0604020202020204" pitchFamily="34" charset="0"/>
+                <a:latin typeface="Arial" pitchFamily="34" charset="0"/>
+                <a:ea typeface="Arial" pitchFamily="34" charset="0"/>
               </a:rPr>
               <a:t>for adolescent programming education, which is developed by Microsoft, Samsung, ARM, University of Lancaster, UK and so on.</a:t>
             </a:r>
@@ -14702,8 +14695,8 @@
                   <a:lumMod val="75000"/>
                 </a:schemeClr>
               </a:solidFill>
-              <a:latin typeface="Arial" panose="020B0604020202020204" pitchFamily="34" charset="0"/>
-              <a:ea typeface="Arial" panose="020B0604020202020204" pitchFamily="34" charset="0"/>
+              <a:latin typeface="Arial" pitchFamily="34" charset="0"/>
+              <a:ea typeface="Arial" pitchFamily="34" charset="0"/>
             </a:endParaRPr>
           </a:p>
         </p:txBody>
@@ -15039,8 +15032,8 @@
                     <a:lumMod val="75000"/>
                   </a:schemeClr>
                 </a:solidFill>
-                <a:latin typeface="Arial" panose="020B0604020202020204" pitchFamily="34" charset="0"/>
-                <a:ea typeface="Arial" panose="020B0604020202020204" pitchFamily="34" charset="0"/>
+                <a:latin typeface="Arial" pitchFamily="34" charset="0"/>
+                <a:ea typeface="Arial" pitchFamily="34" charset="0"/>
               </a:rPr>
               <a:t>Part 1</a:t>
             </a:r>
@@ -15050,8 +15043,8 @@
                   <a:lumMod val="75000"/>
                 </a:schemeClr>
               </a:solidFill>
-              <a:latin typeface="Arial" panose="020B0604020202020204" pitchFamily="34" charset="0"/>
-              <a:ea typeface="Arial" panose="020B0604020202020204" pitchFamily="34" charset="0"/>
+              <a:latin typeface="Arial" pitchFamily="34" charset="0"/>
+              <a:ea typeface="Arial" pitchFamily="34" charset="0"/>
             </a:endParaRPr>
           </a:p>
         </p:txBody>
@@ -15086,8 +15079,8 @@
                     <a:lumMod val="75000"/>
                   </a:schemeClr>
                 </a:solidFill>
-                <a:latin typeface="微软雅黑 Light" panose="020B0502040204020203" charset="-122"/>
-                <a:ea typeface="微软雅黑 Light" panose="020B0502040204020203" charset="-122"/>
+                <a:latin typeface="微软雅黑 Light" charset="-122"/>
+                <a:ea typeface="微软雅黑 Light" charset="-122"/>
               </a:rPr>
               <a:t>   </a:t>
             </a:r>
@@ -15097,8 +15090,8 @@
                   <a:lumMod val="75000"/>
                 </a:schemeClr>
               </a:solidFill>
-              <a:latin typeface="Comic Sans MS" panose="030F0702030302020204" charset="0"/>
-              <a:ea typeface="微软雅黑 Light" panose="020B0502040204020203" charset="-122"/>
+              <a:latin typeface="Comic Sans MS" charset="0"/>
+              <a:ea typeface="微软雅黑 Light" charset="-122"/>
             </a:endParaRPr>
           </a:p>
         </p:txBody>
@@ -15129,8 +15122,8 @@
                 <a:solidFill>
                   <a:schemeClr val="bg1"/>
                 </a:solidFill>
-                <a:latin typeface="Arial" panose="020B0604020202020204" pitchFamily="34" charset="0"/>
-                <a:ea typeface="Arial" panose="020B0604020202020204" pitchFamily="34" charset="0"/>
+                <a:latin typeface="Arial" pitchFamily="34" charset="0"/>
+                <a:ea typeface="Arial" pitchFamily="34" charset="0"/>
               </a:rPr>
               <a:t>          </a:t>
             </a:r>
@@ -15139,8 +15132,8 @@
                 <a:solidFill>
                   <a:schemeClr val="bg1"/>
                 </a:solidFill>
-                <a:latin typeface="Arial" panose="020B0604020202020204" pitchFamily="34" charset="0"/>
-                <a:ea typeface="Arial" panose="020B0604020202020204" pitchFamily="34" charset="0"/>
+                <a:latin typeface="Arial" pitchFamily="34" charset="0"/>
+                <a:ea typeface="Arial" pitchFamily="34" charset="0"/>
               </a:rPr>
               <a:t>                     </a:t>
             </a:r>
@@ -15149,8 +15142,8 @@
                 <a:solidFill>
                   <a:schemeClr val="bg1"/>
                 </a:solidFill>
-                <a:latin typeface="Arial" panose="020B0604020202020204" pitchFamily="34" charset="0"/>
-                <a:ea typeface="Arial" panose="020B0604020202020204" pitchFamily="34" charset="0"/>
+                <a:latin typeface="Arial" pitchFamily="34" charset="0"/>
+                <a:ea typeface="Arial" pitchFamily="34" charset="0"/>
               </a:rPr>
               <a:t>micro:bit</a:t>
             </a:r>
@@ -15159,8 +15152,8 @@
                 <a:solidFill>
                   <a:schemeClr val="bg1"/>
                 </a:solidFill>
-                <a:latin typeface="Arial" panose="020B0604020202020204" pitchFamily="34" charset="0"/>
-                <a:ea typeface="Arial" panose="020B0604020202020204" pitchFamily="34" charset="0"/>
+                <a:latin typeface="Arial" pitchFamily="34" charset="0"/>
+                <a:ea typeface="Arial" pitchFamily="34" charset="0"/>
               </a:rPr>
               <a:t> module video tutorial</a:t>
             </a:r>
@@ -15169,21 +15162,21 @@
                 <a:solidFill>
                   <a:schemeClr val="bg1"/>
                 </a:solidFill>
-                <a:latin typeface="Arial" panose="020B0604020202020204" pitchFamily="34" charset="0"/>
-                <a:ea typeface="Arial" panose="020B0604020202020204" pitchFamily="34" charset="0"/>
+                <a:latin typeface="Arial" pitchFamily="34" charset="0"/>
+                <a:ea typeface="Arial" pitchFamily="34" charset="0"/>
               </a:rPr>
               <a:t> </a:t>
             </a:r>
             <a:r>
               <a:rPr lang="zh-CN" altLang="en-US" sz="2800" u="sng">
                 <a:latin typeface="icomoon" charset="0"/>
-                <a:ea typeface="Yu Gothic UI Semibold" panose="020B0700000000000000" charset="-128"/>
+                <a:ea typeface="Yu Gothic UI Semibold" charset="-128"/>
               </a:rPr>
               <a:t>                                </a:t>
             </a:r>
             <a:endParaRPr lang="zh-CN" altLang="en-US" sz="2800" u="sng">
               <a:latin typeface="icomoon" charset="0"/>
-              <a:ea typeface="Yu Gothic UI Semibold" panose="020B0700000000000000" charset="-128"/>
+              <a:ea typeface="Yu Gothic UI Semibold" charset="-128"/>
             </a:endParaRPr>
           </a:p>
         </p:txBody>
@@ -15583,8 +15576,8 @@
                 <a:solidFill>
                   <a:schemeClr val="bg1"/>
                 </a:solidFill>
-                <a:latin typeface="Arial" panose="020B0604020202020204" pitchFamily="34" charset="0"/>
-                <a:ea typeface="Arial" panose="020B0604020202020204" pitchFamily="34" charset="0"/>
+                <a:latin typeface="Arial" pitchFamily="34" charset="0"/>
+                <a:ea typeface="Arial" pitchFamily="34" charset="0"/>
                 <a:sym typeface="+mn-ea"/>
               </a:rPr>
               <a:t> </a:t>
@@ -15594,8 +15587,8 @@
                 <a:solidFill>
                   <a:schemeClr val="bg1"/>
                 </a:solidFill>
-                <a:latin typeface="Arial" panose="020B0604020202020204" pitchFamily="34" charset="0"/>
-                <a:ea typeface="Arial" panose="020B0604020202020204" pitchFamily="34" charset="0"/>
+                <a:latin typeface="Arial" pitchFamily="34" charset="0"/>
+                <a:ea typeface="Arial" pitchFamily="34" charset="0"/>
                 <a:sym typeface="+mn-ea"/>
               </a:rPr>
               <a:t>YahBoom     </a:t>
@@ -15605,8 +15598,8 @@
                 <a:solidFill>
                   <a:schemeClr val="bg1"/>
                 </a:solidFill>
-                <a:latin typeface="Arial" panose="020B0604020202020204" pitchFamily="34" charset="0"/>
-                <a:ea typeface="Arial" panose="020B0604020202020204" pitchFamily="34" charset="0"/>
+                <a:latin typeface="Arial" pitchFamily="34" charset="0"/>
+                <a:ea typeface="Arial" pitchFamily="34" charset="0"/>
                 <a:sym typeface="+mn-ea"/>
               </a:rPr>
               <a:t>micro:bit</a:t>
@@ -15616,8 +15609,8 @@
                 <a:solidFill>
                   <a:schemeClr val="bg1"/>
                 </a:solidFill>
-                <a:latin typeface="Arial" panose="020B0604020202020204" pitchFamily="34" charset="0"/>
-                <a:ea typeface="Arial" panose="020B0604020202020204" pitchFamily="34" charset="0"/>
+                <a:latin typeface="Arial" pitchFamily="34" charset="0"/>
+                <a:ea typeface="Arial" pitchFamily="34" charset="0"/>
                 <a:sym typeface="+mn-ea"/>
               </a:rPr>
               <a:t> video tutorial</a:t>
@@ -15857,8 +15850,8 @@
         </p:nvSpPr>
         <p:spPr>
           <a:xfrm>
-            <a:off x="723976" y="3061900"/>
-            <a:ext cx="1525270" cy="953135"/>
+            <a:off x="421081" y="3205410"/>
+            <a:ext cx="2059305" cy="944880"/>
           </a:xfrm>
           <a:prstGeom prst="rect">
             <a:avLst/>
@@ -15878,10 +15871,10 @@
                     <a:lumMod val="75000"/>
                   </a:schemeClr>
                 </a:solidFill>
-                <a:latin typeface="Arial" panose="020B0604020202020204" pitchFamily="34" charset="0"/>
-                <a:ea typeface="Arial" panose="020B0604020202020204" pitchFamily="34" charset="0"/>
+                <a:latin typeface="Arial" pitchFamily="34" charset="0"/>
+                <a:ea typeface="Arial" pitchFamily="34" charset="0"/>
               </a:rPr>
-              <a:t>micro:bit</a:t>
+              <a:t>micro:bit V2</a:t>
             </a:r>
             <a:endParaRPr lang="en-US" altLang="zh-CN" sz="2800" dirty="0">
               <a:solidFill>
@@ -15889,8 +15882,8 @@
                   <a:lumMod val="75000"/>
                 </a:schemeClr>
               </a:solidFill>
-              <a:latin typeface="Arial" panose="020B0604020202020204" pitchFamily="34" charset="0"/>
-              <a:ea typeface="Arial" panose="020B0604020202020204" pitchFamily="34" charset="0"/>
+              <a:latin typeface="Arial" pitchFamily="34" charset="0"/>
+              <a:ea typeface="Arial" pitchFamily="34" charset="0"/>
             </a:endParaRPr>
           </a:p>
           <a:p>
@@ -15902,8 +15895,8 @@
                     <a:lumMod val="75000"/>
                   </a:schemeClr>
                 </a:solidFill>
-                <a:latin typeface="Arial" panose="020B0604020202020204" pitchFamily="34" charset="0"/>
-                <a:ea typeface="Arial" panose="020B0604020202020204" pitchFamily="34" charset="0"/>
+                <a:latin typeface="Arial" pitchFamily="34" charset="0"/>
+                <a:ea typeface="Arial" pitchFamily="34" charset="0"/>
               </a:rPr>
               <a:t>features</a:t>
             </a:r>
@@ -15913,8 +15906,8 @@
                   <a:lumMod val="75000"/>
                 </a:schemeClr>
               </a:solidFill>
-              <a:latin typeface="Arial" panose="020B0604020202020204" pitchFamily="34" charset="0"/>
-              <a:ea typeface="Arial" panose="020B0604020202020204" pitchFamily="34" charset="0"/>
+              <a:latin typeface="Arial" pitchFamily="34" charset="0"/>
+              <a:ea typeface="Arial" pitchFamily="34" charset="0"/>
             </a:endParaRPr>
           </a:p>
         </p:txBody>
@@ -15945,7 +15938,7 @@
       </p:pic>
       <p:pic>
         <p:nvPicPr>
-          <p:cNvPr id="2" name="图片 1"/>
+          <p:cNvPr id="3" name="图片 2"/>
           <p:cNvPicPr>
             <a:picLocks noChangeAspect="1"/>
           </p:cNvPicPr>
@@ -15959,8 +15952,8 @@
         </p:blipFill>
         <p:spPr>
           <a:xfrm>
-            <a:off x="2757170" y="1150620"/>
-            <a:ext cx="8799830" cy="4590415"/>
+            <a:off x="2892425" y="1482090"/>
+            <a:ext cx="8515985" cy="3392170"/>
           </a:xfrm>
           <a:prstGeom prst="rect">
             <a:avLst/>
@@ -16257,8 +16250,8 @@
                     <a:lumMod val="75000"/>
                   </a:schemeClr>
                 </a:solidFill>
-                <a:latin typeface="微软雅黑 Light" panose="020B0502040204020203" charset="-122"/>
-                <a:ea typeface="微软雅黑 Light" panose="020B0502040204020203" charset="-122"/>
+                <a:latin typeface="微软雅黑 Light" charset="-122"/>
+                <a:ea typeface="微软雅黑 Light" charset="-122"/>
               </a:rPr>
               <a:t>Part 2</a:t>
             </a:r>
@@ -16268,8 +16261,8 @@
                   <a:lumMod val="75000"/>
                 </a:schemeClr>
               </a:solidFill>
-              <a:latin typeface="微软雅黑 Light" panose="020B0502040204020203" charset="-122"/>
-              <a:ea typeface="微软雅黑 Light" panose="020B0502040204020203" charset="-122"/>
+              <a:latin typeface="微软雅黑 Light" charset="-122"/>
+              <a:ea typeface="微软雅黑 Light" charset="-122"/>
             </a:endParaRPr>
           </a:p>
         </p:txBody>
@@ -16300,8 +16293,8 @@
                 <a:solidFill>
                   <a:schemeClr val="bg1"/>
                 </a:solidFill>
-                <a:latin typeface="Arial" panose="020B0604020202020204" pitchFamily="34" charset="0"/>
-                <a:ea typeface="Arial" panose="020B0604020202020204" pitchFamily="34" charset="0"/>
+                <a:latin typeface="Arial" pitchFamily="34" charset="0"/>
+                <a:ea typeface="Arial" pitchFamily="34" charset="0"/>
               </a:rPr>
               <a:t>                       </a:t>
             </a:r>
@@ -16310,8 +16303,8 @@
                 <a:solidFill>
                   <a:schemeClr val="bg1"/>
                 </a:solidFill>
-                <a:latin typeface="Arial" panose="020B0604020202020204" pitchFamily="34" charset="0"/>
-                <a:ea typeface="Arial" panose="020B0604020202020204" pitchFamily="34" charset="0"/>
+                <a:latin typeface="Arial" pitchFamily="34" charset="0"/>
+                <a:ea typeface="Arial" pitchFamily="34" charset="0"/>
               </a:rPr>
               <a:t>             </a:t>
             </a:r>
@@ -16320,8 +16313,8 @@
                 <a:solidFill>
                   <a:schemeClr val="bg1"/>
                 </a:solidFill>
-                <a:latin typeface="Arial" panose="020B0604020202020204" pitchFamily="34" charset="0"/>
-                <a:ea typeface="Arial" panose="020B0604020202020204" pitchFamily="34" charset="0"/>
+                <a:latin typeface="Arial" pitchFamily="34" charset="0"/>
+                <a:ea typeface="Arial" pitchFamily="34" charset="0"/>
               </a:rPr>
               <a:t>micro:bit</a:t>
             </a:r>
@@ -16330,8 +16323,8 @@
                 <a:solidFill>
                   <a:schemeClr val="bg1"/>
                 </a:solidFill>
-                <a:latin typeface="Arial" panose="020B0604020202020204" pitchFamily="34" charset="0"/>
-                <a:ea typeface="Arial" panose="020B0604020202020204" pitchFamily="34" charset="0"/>
+                <a:latin typeface="Arial" pitchFamily="34" charset="0"/>
+                <a:ea typeface="Arial" pitchFamily="34" charset="0"/>
               </a:rPr>
               <a:t> module video tutorial</a:t>
             </a:r>
@@ -16340,21 +16333,21 @@
                 <a:solidFill>
                   <a:schemeClr val="bg1"/>
                 </a:solidFill>
-                <a:latin typeface="Arial" panose="020B0604020202020204" pitchFamily="34" charset="0"/>
-                <a:ea typeface="Arial" panose="020B0604020202020204" pitchFamily="34" charset="0"/>
+                <a:latin typeface="Arial" pitchFamily="34" charset="0"/>
+                <a:ea typeface="Arial" pitchFamily="34" charset="0"/>
               </a:rPr>
               <a:t> </a:t>
             </a:r>
             <a:r>
               <a:rPr lang="zh-CN" altLang="en-US" sz="2800" u="sng">
                 <a:latin typeface="icomoon" charset="0"/>
-                <a:ea typeface="Yu Gothic UI Semibold" panose="020B0700000000000000" charset="-128"/>
+                <a:ea typeface="Yu Gothic UI Semibold" charset="-128"/>
               </a:rPr>
               <a:t>                                </a:t>
             </a:r>
             <a:endParaRPr lang="zh-CN" altLang="en-US" sz="2800" u="sng">
               <a:latin typeface="icomoon" charset="0"/>
-              <a:ea typeface="Yu Gothic UI Semibold" panose="020B0700000000000000" charset="-128"/>
+              <a:ea typeface="Yu Gothic UI Semibold" charset="-128"/>
             </a:endParaRPr>
           </a:p>
         </p:txBody>
@@ -16754,8 +16747,8 @@
                 <a:solidFill>
                   <a:schemeClr val="bg1"/>
                 </a:solidFill>
-                <a:latin typeface="Arial" panose="020B0604020202020204" pitchFamily="34" charset="0"/>
-                <a:ea typeface="Arial" panose="020B0604020202020204" pitchFamily="34" charset="0"/>
+                <a:latin typeface="Arial" pitchFamily="34" charset="0"/>
+                <a:ea typeface="Arial" pitchFamily="34" charset="0"/>
                 <a:sym typeface="+mn-ea"/>
               </a:rPr>
               <a:t> </a:t>
@@ -16765,8 +16758,8 @@
                 <a:solidFill>
                   <a:schemeClr val="bg1"/>
                 </a:solidFill>
-                <a:latin typeface="Arial" panose="020B0604020202020204" pitchFamily="34" charset="0"/>
-                <a:ea typeface="Arial" panose="020B0604020202020204" pitchFamily="34" charset="0"/>
+                <a:latin typeface="Arial" pitchFamily="34" charset="0"/>
+                <a:ea typeface="Arial" pitchFamily="34" charset="0"/>
                 <a:sym typeface="+mn-ea"/>
               </a:rPr>
               <a:t>YahBoom     </a:t>
@@ -16776,8 +16769,8 @@
                 <a:solidFill>
                   <a:schemeClr val="bg1"/>
                 </a:solidFill>
-                <a:latin typeface="Arial" panose="020B0604020202020204" pitchFamily="34" charset="0"/>
-                <a:ea typeface="Arial" panose="020B0604020202020204" pitchFamily="34" charset="0"/>
+                <a:latin typeface="Arial" pitchFamily="34" charset="0"/>
+                <a:ea typeface="Arial" pitchFamily="34" charset="0"/>
                 <a:sym typeface="+mn-ea"/>
               </a:rPr>
               <a:t>micro:bit</a:t>
@@ -16787,8 +16780,8 @@
                 <a:solidFill>
                   <a:schemeClr val="bg1"/>
                 </a:solidFill>
-                <a:latin typeface="Arial" panose="020B0604020202020204" pitchFamily="34" charset="0"/>
-                <a:ea typeface="Arial" panose="020B0604020202020204" pitchFamily="34" charset="0"/>
+                <a:latin typeface="Arial" pitchFamily="34" charset="0"/>
+                <a:ea typeface="Arial" pitchFamily="34" charset="0"/>
                 <a:sym typeface="+mn-ea"/>
               </a:rPr>
               <a:t> video tutorial</a:t>
@@ -16830,8 +16823,8 @@
                     </a:srgbClr>
                   </a:outerShdw>
                 </a:effectLst>
-                <a:latin typeface="Arial" panose="020B0604020202020204" pitchFamily="34" charset="0"/>
-                <a:ea typeface="Arial" panose="020B0604020202020204" pitchFamily="34" charset="0"/>
+                <a:latin typeface="Arial" pitchFamily="34" charset="0"/>
+                <a:ea typeface="Arial" pitchFamily="34" charset="0"/>
               </a:rPr>
               <a:t>       1.</a:t>
             </a:r>
@@ -16847,8 +16840,8 @@
                     </a:srgbClr>
                   </a:outerShdw>
                 </a:effectLst>
-                <a:latin typeface="Arial" panose="020B0604020202020204" pitchFamily="34" charset="0"/>
-                <a:ea typeface="Arial" panose="020B0604020202020204" pitchFamily="34" charset="0"/>
+                <a:latin typeface="Arial" pitchFamily="34" charset="0"/>
+                <a:ea typeface="Arial" pitchFamily="34" charset="0"/>
               </a:rPr>
               <a:t>First, you use the </a:t>
             </a:r>
@@ -16864,8 +16857,8 @@
                     </a:srgbClr>
                   </a:outerShdw>
                 </a:effectLst>
-                <a:latin typeface="Arial" panose="020B0604020202020204" pitchFamily="34" charset="0"/>
-                <a:ea typeface="Arial" panose="020B0604020202020204" pitchFamily="34" charset="0"/>
+                <a:latin typeface="Arial" pitchFamily="34" charset="0"/>
+                <a:ea typeface="Arial" pitchFamily="34" charset="0"/>
               </a:rPr>
               <a:t>USB cable</a:t>
             </a:r>
@@ -16881,8 +16874,8 @@
                     </a:srgbClr>
                   </a:outerShdw>
                 </a:effectLst>
-                <a:latin typeface="Arial" panose="020B0604020202020204" pitchFamily="34" charset="0"/>
-                <a:ea typeface="Arial" panose="020B0604020202020204" pitchFamily="34" charset="0"/>
+                <a:latin typeface="Arial" pitchFamily="34" charset="0"/>
+                <a:ea typeface="Arial" pitchFamily="34" charset="0"/>
               </a:rPr>
               <a:t> to connect the micro:bit to the computer</a:t>
             </a:r>
@@ -16898,8 +16891,8 @@
                     </a:srgbClr>
                   </a:outerShdw>
                 </a:effectLst>
-                <a:latin typeface="Arial" panose="020B0604020202020204" pitchFamily="34" charset="0"/>
-                <a:ea typeface="Arial" panose="020B0604020202020204" pitchFamily="34" charset="0"/>
+                <a:latin typeface="Arial" pitchFamily="34" charset="0"/>
+                <a:ea typeface="Arial" pitchFamily="34" charset="0"/>
               </a:rPr>
               <a:t>, a</a:t>
             </a:r>
@@ -16915,8 +16908,8 @@
                     </a:srgbClr>
                   </a:outerShdw>
                 </a:effectLst>
-                <a:latin typeface="Arial" panose="020B0604020202020204" pitchFamily="34" charset="0"/>
-                <a:ea typeface="Arial" panose="020B0604020202020204" pitchFamily="34" charset="0"/>
+                <a:latin typeface="Arial" pitchFamily="34" charset="0"/>
+                <a:ea typeface="Arial" pitchFamily="34" charset="0"/>
               </a:rPr>
               <a:t>t this point, the computer will have a micro:bit U disk.</a:t>
             </a:r>
@@ -16932,8 +16925,8 @@
                     </a:srgbClr>
                   </a:outerShdw>
                 </a:effectLst>
-                <a:latin typeface="Arial" panose="020B0604020202020204" pitchFamily="34" charset="0"/>
-                <a:ea typeface="Arial" panose="020B0604020202020204" pitchFamily="34" charset="0"/>
+                <a:latin typeface="Arial" pitchFamily="34" charset="0"/>
+                <a:ea typeface="Arial" pitchFamily="34" charset="0"/>
               </a:rPr>
               <a:t> </a:t>
             </a:r>
@@ -16949,8 +16942,8 @@
                     </a:srgbClr>
                   </a:outerShdw>
                 </a:effectLst>
-                <a:latin typeface="Arial" panose="020B0604020202020204" pitchFamily="34" charset="0"/>
-                <a:ea typeface="Arial" panose="020B0604020202020204" pitchFamily="34" charset="0"/>
+                <a:latin typeface="Arial" pitchFamily="34" charset="0"/>
+                <a:ea typeface="Arial" pitchFamily="34" charset="0"/>
               </a:rPr>
               <a:t>Open it,  click micro:bit</a:t>
             </a:r>
@@ -16966,8 +16959,8 @@
                     </a:srgbClr>
                   </a:outerShdw>
                 </a:effectLst>
-                <a:latin typeface="Arial" panose="020B0604020202020204" pitchFamily="34" charset="0"/>
-                <a:ea typeface="Arial" panose="020B0604020202020204" pitchFamily="34" charset="0"/>
+                <a:latin typeface="Arial" pitchFamily="34" charset="0"/>
+                <a:ea typeface="Arial" pitchFamily="34" charset="0"/>
               </a:rPr>
               <a:t> </a:t>
             </a:r>
@@ -16983,8 +16976,8 @@
                     </a:srgbClr>
                   </a:outerShdw>
                 </a:effectLst>
-                <a:latin typeface="Arial" panose="020B0604020202020204" pitchFamily="34" charset="0"/>
-                <a:ea typeface="Arial" panose="020B0604020202020204" pitchFamily="34" charset="0"/>
+                <a:latin typeface="Arial" pitchFamily="34" charset="0"/>
+                <a:ea typeface="Arial" pitchFamily="34" charset="0"/>
               </a:rPr>
               <a:t>website, then entered the micro:bit</a:t>
             </a:r>
@@ -17000,8 +16993,8 @@
                     </a:srgbClr>
                   </a:outerShdw>
                 </a:effectLst>
-                <a:latin typeface="Arial" panose="020B0604020202020204" pitchFamily="34" charset="0"/>
-                <a:ea typeface="Arial" panose="020B0604020202020204" pitchFamily="34" charset="0"/>
+                <a:latin typeface="Arial" pitchFamily="34" charset="0"/>
+                <a:ea typeface="Arial" pitchFamily="34" charset="0"/>
               </a:rPr>
               <a:t> </a:t>
             </a:r>
@@ -17017,8 +17010,8 @@
                     </a:srgbClr>
                   </a:outerShdw>
                 </a:effectLst>
-                <a:latin typeface="Arial" panose="020B0604020202020204" pitchFamily="34" charset="0"/>
-                <a:ea typeface="Arial" panose="020B0604020202020204" pitchFamily="34" charset="0"/>
+                <a:latin typeface="Arial" pitchFamily="34" charset="0"/>
+                <a:ea typeface="Arial" pitchFamily="34" charset="0"/>
               </a:rPr>
               <a:t>website </a:t>
             </a:r>
@@ -17033,8 +17026,8 @@
                   </a:srgbClr>
                 </a:outerShdw>
               </a:effectLst>
-              <a:latin typeface="Arial" panose="020B0604020202020204" pitchFamily="34" charset="0"/>
-              <a:ea typeface="Arial" panose="020B0604020202020204" pitchFamily="34" charset="0"/>
+              <a:latin typeface="Arial" pitchFamily="34" charset="0"/>
+              <a:ea typeface="Arial" pitchFamily="34" charset="0"/>
             </a:endParaRPr>
           </a:p>
         </p:txBody>
@@ -17291,8 +17284,8 @@
                     <a:lumMod val="75000"/>
                   </a:schemeClr>
                 </a:solidFill>
-                <a:latin typeface="Arial" panose="020B0604020202020204" pitchFamily="34" charset="0"/>
-                <a:ea typeface="Arial" panose="020B0604020202020204" pitchFamily="34" charset="0"/>
+                <a:latin typeface="Arial" pitchFamily="34" charset="0"/>
+                <a:ea typeface="Arial" pitchFamily="34" charset="0"/>
               </a:rPr>
               <a:t>How to open a programming web page?</a:t>
             </a:r>
@@ -17302,8 +17295,8 @@
                   <a:lumMod val="75000"/>
                 </a:schemeClr>
               </a:solidFill>
-              <a:latin typeface="Arial" panose="020B0604020202020204" pitchFamily="34" charset="0"/>
-              <a:ea typeface="Arial" panose="020B0604020202020204" pitchFamily="34" charset="0"/>
+              <a:latin typeface="Arial" pitchFamily="34" charset="0"/>
+              <a:ea typeface="Arial" pitchFamily="34" charset="0"/>
             </a:endParaRPr>
           </a:p>
         </p:txBody>
@@ -17646,8 +17639,8 @@
                     <a:lumMod val="75000"/>
                   </a:schemeClr>
                 </a:solidFill>
-                <a:latin typeface="Arial" panose="020B0604020202020204" pitchFamily="34" charset="0"/>
-                <a:ea typeface="Arial" panose="020B0604020202020204" pitchFamily="34" charset="0"/>
+                <a:latin typeface="Arial" pitchFamily="34" charset="0"/>
+                <a:ea typeface="Arial" pitchFamily="34" charset="0"/>
               </a:rPr>
               <a:t>Part 2</a:t>
             </a:r>
@@ -17657,8 +17650,8 @@
                   <a:lumMod val="75000"/>
                 </a:schemeClr>
               </a:solidFill>
-              <a:latin typeface="Arial" panose="020B0604020202020204" pitchFamily="34" charset="0"/>
-              <a:ea typeface="Arial" panose="020B0604020202020204" pitchFamily="34" charset="0"/>
+              <a:latin typeface="Arial" pitchFamily="34" charset="0"/>
+              <a:ea typeface="Arial" pitchFamily="34" charset="0"/>
             </a:endParaRPr>
           </a:p>
         </p:txBody>
@@ -17689,8 +17682,8 @@
                 <a:solidFill>
                   <a:schemeClr val="bg1"/>
                 </a:solidFill>
-                <a:latin typeface="Arial" panose="020B0604020202020204" pitchFamily="34" charset="0"/>
-                <a:ea typeface="Arial" panose="020B0604020202020204" pitchFamily="34" charset="0"/>
+                <a:latin typeface="Arial" pitchFamily="34" charset="0"/>
+                <a:ea typeface="Arial" pitchFamily="34" charset="0"/>
               </a:rPr>
               <a:t>                     </a:t>
             </a:r>
@@ -17699,8 +17692,8 @@
                 <a:solidFill>
                   <a:schemeClr val="bg1"/>
                 </a:solidFill>
-                <a:latin typeface="Arial" panose="020B0604020202020204" pitchFamily="34" charset="0"/>
-                <a:ea typeface="Arial" panose="020B0604020202020204" pitchFamily="34" charset="0"/>
+                <a:latin typeface="Arial" pitchFamily="34" charset="0"/>
+                <a:ea typeface="Arial" pitchFamily="34" charset="0"/>
               </a:rPr>
               <a:t>             </a:t>
             </a:r>
@@ -17709,8 +17702,8 @@
                 <a:solidFill>
                   <a:schemeClr val="bg1"/>
                 </a:solidFill>
-                <a:latin typeface="Arial" panose="020B0604020202020204" pitchFamily="34" charset="0"/>
-                <a:ea typeface="Arial" panose="020B0604020202020204" pitchFamily="34" charset="0"/>
+                <a:latin typeface="Arial" pitchFamily="34" charset="0"/>
+                <a:ea typeface="Arial" pitchFamily="34" charset="0"/>
               </a:rPr>
               <a:t>micro:bit</a:t>
             </a:r>
@@ -17719,8 +17712,8 @@
                 <a:solidFill>
                   <a:schemeClr val="bg1"/>
                 </a:solidFill>
-                <a:latin typeface="Arial" panose="020B0604020202020204" pitchFamily="34" charset="0"/>
-                <a:ea typeface="Arial" panose="020B0604020202020204" pitchFamily="34" charset="0"/>
+                <a:latin typeface="Arial" pitchFamily="34" charset="0"/>
+                <a:ea typeface="Arial" pitchFamily="34" charset="0"/>
               </a:rPr>
               <a:t> module video tutorial</a:t>
             </a:r>
@@ -17729,21 +17722,21 @@
                 <a:solidFill>
                   <a:schemeClr val="bg1"/>
                 </a:solidFill>
-                <a:latin typeface="Arial" panose="020B0604020202020204" pitchFamily="34" charset="0"/>
-                <a:ea typeface="Arial" panose="020B0604020202020204" pitchFamily="34" charset="0"/>
+                <a:latin typeface="Arial" pitchFamily="34" charset="0"/>
+                <a:ea typeface="Arial" pitchFamily="34" charset="0"/>
               </a:rPr>
               <a:t> </a:t>
             </a:r>
             <a:r>
               <a:rPr lang="zh-CN" altLang="en-US" sz="2800" u="sng">
                 <a:latin typeface="icomoon" charset="0"/>
-                <a:ea typeface="Yu Gothic UI Semibold" panose="020B0700000000000000" charset="-128"/>
+                <a:ea typeface="Yu Gothic UI Semibold" charset="-128"/>
               </a:rPr>
               <a:t>                                </a:t>
             </a:r>
             <a:endParaRPr lang="zh-CN" altLang="en-US" sz="2800" u="sng">
               <a:latin typeface="icomoon" charset="0"/>
-              <a:ea typeface="Yu Gothic UI Semibold" panose="020B0700000000000000" charset="-128"/>
+              <a:ea typeface="Yu Gothic UI Semibold" charset="-128"/>
             </a:endParaRPr>
           </a:p>
         </p:txBody>
@@ -18143,8 +18136,8 @@
                 <a:solidFill>
                   <a:schemeClr val="bg1"/>
                 </a:solidFill>
-                <a:latin typeface="Arial" panose="020B0604020202020204" pitchFamily="34" charset="0"/>
-                <a:ea typeface="Arial" panose="020B0604020202020204" pitchFamily="34" charset="0"/>
+                <a:latin typeface="Arial" pitchFamily="34" charset="0"/>
+                <a:ea typeface="Arial" pitchFamily="34" charset="0"/>
                 <a:sym typeface="+mn-ea"/>
               </a:rPr>
               <a:t> </a:t>
@@ -18154,8 +18147,8 @@
                 <a:solidFill>
                   <a:schemeClr val="bg1"/>
                 </a:solidFill>
-                <a:latin typeface="Arial" panose="020B0604020202020204" pitchFamily="34" charset="0"/>
-                <a:ea typeface="Arial" panose="020B0604020202020204" pitchFamily="34" charset="0"/>
+                <a:latin typeface="Arial" pitchFamily="34" charset="0"/>
+                <a:ea typeface="Arial" pitchFamily="34" charset="0"/>
                 <a:sym typeface="+mn-ea"/>
               </a:rPr>
               <a:t>YahBoom     </a:t>
@@ -18165,8 +18158,8 @@
                 <a:solidFill>
                   <a:schemeClr val="bg1"/>
                 </a:solidFill>
-                <a:latin typeface="Arial" panose="020B0604020202020204" pitchFamily="34" charset="0"/>
-                <a:ea typeface="Arial" panose="020B0604020202020204" pitchFamily="34" charset="0"/>
+                <a:latin typeface="Arial" pitchFamily="34" charset="0"/>
+                <a:ea typeface="Arial" pitchFamily="34" charset="0"/>
                 <a:sym typeface="+mn-ea"/>
               </a:rPr>
               <a:t>micro:bit</a:t>
@@ -18176,8 +18169,8 @@
                 <a:solidFill>
                   <a:schemeClr val="bg1"/>
                 </a:solidFill>
-                <a:latin typeface="Arial" panose="020B0604020202020204" pitchFamily="34" charset="0"/>
-                <a:ea typeface="Arial" panose="020B0604020202020204" pitchFamily="34" charset="0"/>
+                <a:latin typeface="Arial" pitchFamily="34" charset="0"/>
+                <a:ea typeface="Arial" pitchFamily="34" charset="0"/>
                 <a:sym typeface="+mn-ea"/>
               </a:rPr>
               <a:t> video tutorial</a:t>
@@ -18214,8 +18207,8 @@
                   <a:lumMod val="75000"/>
                 </a:schemeClr>
               </a:solidFill>
-              <a:latin typeface="微软雅黑 Light" panose="020B0502040204020203" charset="-122"/>
-              <a:ea typeface="微软雅黑 Light" panose="020B0502040204020203" charset="-122"/>
+              <a:latin typeface="微软雅黑 Light" charset="-122"/>
+              <a:ea typeface="微软雅黑 Light" charset="-122"/>
             </a:endParaRPr>
           </a:p>
         </p:txBody>
@@ -18476,8 +18469,8 @@
                     </a:srgbClr>
                   </a:outerShdw>
                 </a:effectLst>
-                <a:latin typeface="Arial" panose="020B0604020202020204" pitchFamily="34" charset="0"/>
-                <a:ea typeface="Arial" panose="020B0604020202020204" pitchFamily="34" charset="0"/>
+                <a:latin typeface="Arial" pitchFamily="34" charset="0"/>
+                <a:ea typeface="Arial" pitchFamily="34" charset="0"/>
               </a:rPr>
               <a:t>       2.</a:t>
             </a:r>
@@ -18493,8 +18486,8 @@
                     </a:srgbClr>
                   </a:outerShdw>
                 </a:effectLst>
-                <a:latin typeface="Arial" panose="020B0604020202020204" pitchFamily="34" charset="0"/>
-                <a:ea typeface="Arial" panose="020B0604020202020204" pitchFamily="34" charset="0"/>
+                <a:latin typeface="Arial" pitchFamily="34" charset="0"/>
+                <a:ea typeface="Arial" pitchFamily="34" charset="0"/>
               </a:rPr>
               <a:t>After entering the micro:bit, click </a:t>
             </a:r>
@@ -18510,8 +18503,8 @@
                     </a:srgbClr>
                   </a:outerShdw>
                 </a:effectLst>
-                <a:latin typeface="Arial" panose="020B0604020202020204" pitchFamily="34" charset="0"/>
-                <a:ea typeface="Arial" panose="020B0604020202020204" pitchFamily="34" charset="0"/>
+                <a:latin typeface="Arial" pitchFamily="34" charset="0"/>
+                <a:ea typeface="Arial" pitchFamily="34" charset="0"/>
               </a:rPr>
               <a:t>Let's Code</a:t>
             </a:r>
@@ -18526,8 +18519,8 @@
                   </a:srgbClr>
                 </a:outerShdw>
               </a:effectLst>
-              <a:latin typeface="Arial" panose="020B0604020202020204" pitchFamily="34" charset="0"/>
-              <a:ea typeface="Arial" panose="020B0604020202020204" pitchFamily="34" charset="0"/>
+              <a:latin typeface="Arial" pitchFamily="34" charset="0"/>
+              <a:ea typeface="Arial" pitchFamily="34" charset="0"/>
             </a:endParaRPr>
           </a:p>
         </p:txBody>
@@ -18609,8 +18602,8 @@
                     <a:lumMod val="75000"/>
                   </a:schemeClr>
                 </a:solidFill>
-                <a:latin typeface="Arial" panose="020B0604020202020204" pitchFamily="34" charset="0"/>
-                <a:ea typeface="Arial" panose="020B0604020202020204" pitchFamily="34" charset="0"/>
+                <a:latin typeface="Arial" pitchFamily="34" charset="0"/>
+                <a:ea typeface="Arial" pitchFamily="34" charset="0"/>
               </a:rPr>
               <a:t>How to open a programming web page?</a:t>
             </a:r>
@@ -18620,8 +18613,8 @@
                   <a:lumMod val="75000"/>
                 </a:schemeClr>
               </a:solidFill>
-              <a:latin typeface="Arial" panose="020B0604020202020204" pitchFamily="34" charset="0"/>
-              <a:ea typeface="Arial" panose="020B0604020202020204" pitchFamily="34" charset="0"/>
+              <a:latin typeface="Arial" pitchFamily="34" charset="0"/>
+              <a:ea typeface="Arial" pitchFamily="34" charset="0"/>
             </a:endParaRPr>
           </a:p>
         </p:txBody>
@@ -18680,8 +18673,8 @@
                 <a:solidFill>
                   <a:schemeClr val="bg1"/>
                 </a:solidFill>
-                <a:latin typeface="Arial" panose="020B0604020202020204" pitchFamily="34" charset="0"/>
-                <a:ea typeface="Arial" panose="020B0604020202020204" pitchFamily="34" charset="0"/>
+                <a:latin typeface="Arial" pitchFamily="34" charset="0"/>
+                <a:ea typeface="Arial" pitchFamily="34" charset="0"/>
               </a:rPr>
               <a:t>                       </a:t>
             </a:r>
@@ -18690,8 +18683,8 @@
                 <a:solidFill>
                   <a:schemeClr val="bg1"/>
                 </a:solidFill>
-                <a:latin typeface="Arial" panose="020B0604020202020204" pitchFamily="34" charset="0"/>
-                <a:ea typeface="Arial" panose="020B0604020202020204" pitchFamily="34" charset="0"/>
+                <a:latin typeface="Arial" pitchFamily="34" charset="0"/>
+                <a:ea typeface="Arial" pitchFamily="34" charset="0"/>
               </a:rPr>
               <a:t>             </a:t>
             </a:r>
@@ -18700,8 +18693,8 @@
                 <a:solidFill>
                   <a:schemeClr val="bg1"/>
                 </a:solidFill>
-                <a:latin typeface="Arial" panose="020B0604020202020204" pitchFamily="34" charset="0"/>
-                <a:ea typeface="Arial" panose="020B0604020202020204" pitchFamily="34" charset="0"/>
+                <a:latin typeface="Arial" pitchFamily="34" charset="0"/>
+                <a:ea typeface="Arial" pitchFamily="34" charset="0"/>
               </a:rPr>
               <a:t>micro:bit</a:t>
             </a:r>
@@ -18710,8 +18703,8 @@
                 <a:solidFill>
                   <a:schemeClr val="bg1"/>
                 </a:solidFill>
-                <a:latin typeface="Arial" panose="020B0604020202020204" pitchFamily="34" charset="0"/>
-                <a:ea typeface="Arial" panose="020B0604020202020204" pitchFamily="34" charset="0"/>
+                <a:latin typeface="Arial" pitchFamily="34" charset="0"/>
+                <a:ea typeface="Arial" pitchFamily="34" charset="0"/>
               </a:rPr>
               <a:t> module video tutorial</a:t>
             </a:r>
@@ -18720,21 +18713,21 @@
                 <a:solidFill>
                   <a:schemeClr val="bg1"/>
                 </a:solidFill>
-                <a:latin typeface="Arial" panose="020B0604020202020204" pitchFamily="34" charset="0"/>
-                <a:ea typeface="Arial" panose="020B0604020202020204" pitchFamily="34" charset="0"/>
+                <a:latin typeface="Arial" pitchFamily="34" charset="0"/>
+                <a:ea typeface="Arial" pitchFamily="34" charset="0"/>
               </a:rPr>
               <a:t> </a:t>
             </a:r>
             <a:r>
               <a:rPr lang="zh-CN" altLang="en-US" sz="2800" u="sng">
                 <a:latin typeface="icomoon" charset="0"/>
-                <a:ea typeface="Yu Gothic UI Semibold" panose="020B0700000000000000" charset="-128"/>
+                <a:ea typeface="Yu Gothic UI Semibold" charset="-128"/>
               </a:rPr>
               <a:t>                                </a:t>
             </a:r>
             <a:endParaRPr lang="zh-CN" altLang="en-US" sz="2800" u="sng">
               <a:latin typeface="icomoon" charset="0"/>
-              <a:ea typeface="Yu Gothic UI Semibold" panose="020B0700000000000000" charset="-128"/>
+              <a:ea typeface="Yu Gothic UI Semibold" charset="-128"/>
             </a:endParaRPr>
           </a:p>
         </p:txBody>
@@ -18768,8 +18761,8 @@
                     <a:lumMod val="75000"/>
                   </a:schemeClr>
                 </a:solidFill>
-                <a:latin typeface="Arial" panose="020B0604020202020204" pitchFamily="34" charset="0"/>
-                <a:ea typeface="Arial" panose="020B0604020202020204" pitchFamily="34" charset="0"/>
+                <a:latin typeface="Arial" pitchFamily="34" charset="0"/>
+                <a:ea typeface="Arial" pitchFamily="34" charset="0"/>
               </a:rPr>
               <a:t>Part 2</a:t>
             </a:r>
@@ -18779,8 +18772,8 @@
                   <a:lumMod val="75000"/>
                 </a:schemeClr>
               </a:solidFill>
-              <a:latin typeface="Arial" panose="020B0604020202020204" pitchFamily="34" charset="0"/>
-              <a:ea typeface="Arial" panose="020B0604020202020204" pitchFamily="34" charset="0"/>
+              <a:latin typeface="Arial" pitchFamily="34" charset="0"/>
+              <a:ea typeface="Arial" pitchFamily="34" charset="0"/>
             </a:endParaRPr>
           </a:p>
         </p:txBody>
@@ -19403,8 +19396,8 @@
                 <a:solidFill>
                   <a:schemeClr val="bg1"/>
                 </a:solidFill>
-                <a:latin typeface="Arial" panose="020B0604020202020204" pitchFamily="34" charset="0"/>
-                <a:ea typeface="Arial" panose="020B0604020202020204" pitchFamily="34" charset="0"/>
+                <a:latin typeface="Arial" pitchFamily="34" charset="0"/>
+                <a:ea typeface="Arial" pitchFamily="34" charset="0"/>
                 <a:sym typeface="+mn-ea"/>
               </a:rPr>
               <a:t> </a:t>
@@ -19414,8 +19407,8 @@
                 <a:solidFill>
                   <a:schemeClr val="bg1"/>
                 </a:solidFill>
-                <a:latin typeface="Arial" panose="020B0604020202020204" pitchFamily="34" charset="0"/>
-                <a:ea typeface="Arial" panose="020B0604020202020204" pitchFamily="34" charset="0"/>
+                <a:latin typeface="Arial" pitchFamily="34" charset="0"/>
+                <a:ea typeface="Arial" pitchFamily="34" charset="0"/>
                 <a:sym typeface="+mn-ea"/>
               </a:rPr>
               <a:t>YahBoom     </a:t>
@@ -19425,8 +19418,8 @@
                 <a:solidFill>
                   <a:schemeClr val="bg1"/>
                 </a:solidFill>
-                <a:latin typeface="Arial" panose="020B0604020202020204" pitchFamily="34" charset="0"/>
-                <a:ea typeface="Arial" panose="020B0604020202020204" pitchFamily="34" charset="0"/>
+                <a:latin typeface="Arial" pitchFamily="34" charset="0"/>
+                <a:ea typeface="Arial" pitchFamily="34" charset="0"/>
                 <a:sym typeface="+mn-ea"/>
               </a:rPr>
               <a:t>micro:bit</a:t>
@@ -19436,8 +19429,8 @@
                 <a:solidFill>
                   <a:schemeClr val="bg1"/>
                 </a:solidFill>
-                <a:latin typeface="Arial" panose="020B0604020202020204" pitchFamily="34" charset="0"/>
-                <a:ea typeface="Arial" panose="020B0604020202020204" pitchFamily="34" charset="0"/>
+                <a:latin typeface="Arial" pitchFamily="34" charset="0"/>
+                <a:ea typeface="Arial" pitchFamily="34" charset="0"/>
                 <a:sym typeface="+mn-ea"/>
               </a:rPr>
               <a:t> video tutorial</a:t>
@@ -19480,8 +19473,8 @@
                     </a:srgbClr>
                   </a:outerShdw>
                 </a:effectLst>
-                <a:latin typeface="Arial" panose="020B0604020202020204" pitchFamily="34" charset="0"/>
-                <a:ea typeface="Arial" panose="020B0604020202020204" pitchFamily="34" charset="0"/>
+                <a:latin typeface="Arial" pitchFamily="34" charset="0"/>
+                <a:ea typeface="Arial" pitchFamily="34" charset="0"/>
                 <a:sym typeface="+mn-ea"/>
               </a:rPr>
               <a:t>       </a:t>
@@ -19498,8 +19491,8 @@
                     </a:srgbClr>
                   </a:outerShdw>
                 </a:effectLst>
-                <a:latin typeface="Arial" panose="020B0604020202020204" pitchFamily="34" charset="0"/>
-                <a:ea typeface="Arial" panose="020B0604020202020204" pitchFamily="34" charset="0"/>
+                <a:latin typeface="Arial" pitchFamily="34" charset="0"/>
+                <a:ea typeface="Arial" pitchFamily="34" charset="0"/>
                 <a:sym typeface="+mn-ea"/>
               </a:rPr>
               <a:t>When you get into a new page, click on the screen below [</a:t>
@@ -19516,8 +19509,8 @@
                     </a:srgbClr>
                   </a:outerShdw>
                 </a:effectLst>
-                <a:latin typeface="Arial" panose="020B0604020202020204" pitchFamily="34" charset="0"/>
-                <a:ea typeface="Arial" panose="020B0604020202020204" pitchFamily="34" charset="0"/>
+                <a:latin typeface="Arial" pitchFamily="34" charset="0"/>
+                <a:ea typeface="Arial" pitchFamily="34" charset="0"/>
                 <a:sym typeface="+mn-ea"/>
               </a:rPr>
               <a:t>L</a:t>
@@ -19534,8 +19527,8 @@
                     </a:srgbClr>
                   </a:outerShdw>
                 </a:effectLst>
-                <a:latin typeface="Arial" panose="020B0604020202020204" pitchFamily="34" charset="0"/>
-                <a:ea typeface="Arial" panose="020B0604020202020204" pitchFamily="34" charset="0"/>
+                <a:latin typeface="Arial" pitchFamily="34" charset="0"/>
+                <a:ea typeface="Arial" pitchFamily="34" charset="0"/>
                 <a:sym typeface="+mn-ea"/>
               </a:rPr>
               <a:t>et's </a:t>
@@ -19552,8 +19545,8 @@
                     </a:srgbClr>
                   </a:outerShdw>
                 </a:effectLst>
-                <a:latin typeface="Arial" panose="020B0604020202020204" pitchFamily="34" charset="0"/>
-                <a:ea typeface="Arial" panose="020B0604020202020204" pitchFamily="34" charset="0"/>
+                <a:latin typeface="Arial" pitchFamily="34" charset="0"/>
+                <a:ea typeface="Arial" pitchFamily="34" charset="0"/>
                 <a:sym typeface="+mn-ea"/>
               </a:rPr>
               <a:t>Code</a:t>
@@ -19570,8 +19563,8 @@
                     </a:srgbClr>
                   </a:outerShdw>
                 </a:effectLst>
-                <a:latin typeface="Arial" panose="020B0604020202020204" pitchFamily="34" charset="0"/>
-                <a:ea typeface="Arial" panose="020B0604020202020204" pitchFamily="34" charset="0"/>
+                <a:latin typeface="Arial" pitchFamily="34" charset="0"/>
+                <a:ea typeface="Arial" pitchFamily="34" charset="0"/>
                 <a:sym typeface="+mn-ea"/>
               </a:rPr>
               <a:t>],</a:t>
@@ -19587,8 +19580,8 @@
                   </a:srgbClr>
                 </a:outerShdw>
               </a:effectLst>
-              <a:latin typeface="Arial" panose="020B0604020202020204" pitchFamily="34" charset="0"/>
-              <a:ea typeface="Arial" panose="020B0604020202020204" pitchFamily="34" charset="0"/>
+              <a:latin typeface="Arial" pitchFamily="34" charset="0"/>
+              <a:ea typeface="Arial" pitchFamily="34" charset="0"/>
               <a:sym typeface="+mn-ea"/>
             </a:endParaRPr>
           </a:p>
@@ -19606,8 +19599,8 @@
                     </a:srgbClr>
                   </a:outerShdw>
                 </a:effectLst>
-                <a:latin typeface="Arial" panose="020B0604020202020204" pitchFamily="34" charset="0"/>
-                <a:ea typeface="Arial" panose="020B0604020202020204" pitchFamily="34" charset="0"/>
+                <a:latin typeface="Arial" pitchFamily="34" charset="0"/>
+                <a:ea typeface="Arial" pitchFamily="34" charset="0"/>
                 <a:sym typeface="+mn-ea"/>
               </a:rPr>
               <a:t>You can get into the programming page.</a:t>
@@ -19623,8 +19616,8 @@
                   </a:srgbClr>
                 </a:outerShdw>
               </a:effectLst>
-              <a:latin typeface="Arial" panose="020B0604020202020204" pitchFamily="34" charset="0"/>
-              <a:ea typeface="Arial" panose="020B0604020202020204" pitchFamily="34" charset="0"/>
+              <a:latin typeface="Arial" pitchFamily="34" charset="0"/>
+              <a:ea typeface="Arial" pitchFamily="34" charset="0"/>
               <a:sym typeface="+mn-ea"/>
             </a:endParaRPr>
           </a:p>
@@ -19707,8 +19700,8 @@
                     <a:lumMod val="75000"/>
                   </a:schemeClr>
                 </a:solidFill>
-                <a:latin typeface="Arial" panose="020B0604020202020204" pitchFamily="34" charset="0"/>
-                <a:ea typeface="Arial" panose="020B0604020202020204" pitchFamily="34" charset="0"/>
+                <a:latin typeface="Arial" pitchFamily="34" charset="0"/>
+                <a:ea typeface="Arial" pitchFamily="34" charset="0"/>
               </a:rPr>
               <a:t>How to open a programming web page?</a:t>
             </a:r>
@@ -19718,8 +19711,8 @@
                   <a:lumMod val="75000"/>
                 </a:schemeClr>
               </a:solidFill>
-              <a:latin typeface="Arial" panose="020B0604020202020204" pitchFamily="34" charset="0"/>
-              <a:ea typeface="Arial" panose="020B0604020202020204" pitchFamily="34" charset="0"/>
+              <a:latin typeface="Arial" pitchFamily="34" charset="0"/>
+              <a:ea typeface="Arial" pitchFamily="34" charset="0"/>
             </a:endParaRPr>
           </a:p>
         </p:txBody>
@@ -19773,8 +19766,8 @@
                     <a:lumMod val="75000"/>
                   </a:schemeClr>
                 </a:solidFill>
-                <a:latin typeface="Arial" panose="020B0604020202020204" pitchFamily="34" charset="0"/>
-                <a:ea typeface="Arial" panose="020B0604020202020204" pitchFamily="34" charset="0"/>
+                <a:latin typeface="Arial" pitchFamily="34" charset="0"/>
+                <a:ea typeface="Arial" pitchFamily="34" charset="0"/>
                 <a:sym typeface="+mn-ea"/>
               </a:rPr>
               <a:t>Part 3</a:t>
@@ -19785,8 +19778,8 @@
                   <a:lumMod val="75000"/>
                 </a:schemeClr>
               </a:solidFill>
-              <a:latin typeface="Arial" panose="020B0604020202020204" pitchFamily="34" charset="0"/>
-              <a:ea typeface="Arial" panose="020B0604020202020204" pitchFamily="34" charset="0"/>
+              <a:latin typeface="Arial" pitchFamily="34" charset="0"/>
+              <a:ea typeface="Arial" pitchFamily="34" charset="0"/>
               <a:sym typeface="+mn-ea"/>
             </a:endParaRPr>
           </a:p>
@@ -19818,8 +19811,8 @@
                 <a:solidFill>
                   <a:schemeClr val="bg1"/>
                 </a:solidFill>
-                <a:latin typeface="Arial" panose="020B0604020202020204" pitchFamily="34" charset="0"/>
-                <a:ea typeface="Arial" panose="020B0604020202020204" pitchFamily="34" charset="0"/>
+                <a:latin typeface="Arial" pitchFamily="34" charset="0"/>
+                <a:ea typeface="Arial" pitchFamily="34" charset="0"/>
               </a:rPr>
               <a:t>                         </a:t>
             </a:r>
@@ -19828,8 +19821,8 @@
                 <a:solidFill>
                   <a:schemeClr val="bg1"/>
                 </a:solidFill>
-                <a:latin typeface="Arial" panose="020B0604020202020204" pitchFamily="34" charset="0"/>
-                <a:ea typeface="Arial" panose="020B0604020202020204" pitchFamily="34" charset="0"/>
+                <a:latin typeface="Arial" pitchFamily="34" charset="0"/>
+                <a:ea typeface="Arial" pitchFamily="34" charset="0"/>
               </a:rPr>
               <a:t>             </a:t>
             </a:r>
@@ -19838,8 +19831,8 @@
                 <a:solidFill>
                   <a:schemeClr val="bg1"/>
                 </a:solidFill>
-                <a:latin typeface="Arial" panose="020B0604020202020204" pitchFamily="34" charset="0"/>
-                <a:ea typeface="Arial" panose="020B0604020202020204" pitchFamily="34" charset="0"/>
+                <a:latin typeface="Arial" pitchFamily="34" charset="0"/>
+                <a:ea typeface="Arial" pitchFamily="34" charset="0"/>
               </a:rPr>
               <a:t>micro:bit</a:t>
             </a:r>
@@ -19848,8 +19841,8 @@
                 <a:solidFill>
                   <a:schemeClr val="bg1"/>
                 </a:solidFill>
-                <a:latin typeface="Arial" panose="020B0604020202020204" pitchFamily="34" charset="0"/>
-                <a:ea typeface="Arial" panose="020B0604020202020204" pitchFamily="34" charset="0"/>
+                <a:latin typeface="Arial" pitchFamily="34" charset="0"/>
+                <a:ea typeface="Arial" pitchFamily="34" charset="0"/>
               </a:rPr>
               <a:t> module video tutorial</a:t>
             </a:r>
@@ -19858,21 +19851,21 @@
                 <a:solidFill>
                   <a:schemeClr val="bg1"/>
                 </a:solidFill>
-                <a:latin typeface="Arial" panose="020B0604020202020204" pitchFamily="34" charset="0"/>
-                <a:ea typeface="Arial" panose="020B0604020202020204" pitchFamily="34" charset="0"/>
+                <a:latin typeface="Arial" pitchFamily="34" charset="0"/>
+                <a:ea typeface="Arial" pitchFamily="34" charset="0"/>
               </a:rPr>
               <a:t> </a:t>
             </a:r>
             <a:r>
               <a:rPr lang="zh-CN" altLang="en-US" sz="2800" u="sng">
                 <a:latin typeface="icomoon" charset="0"/>
-                <a:ea typeface="Yu Gothic UI Semibold" panose="020B0700000000000000" charset="-128"/>
+                <a:ea typeface="Yu Gothic UI Semibold" charset="-128"/>
               </a:rPr>
               <a:t>                                </a:t>
             </a:r>
             <a:endParaRPr lang="zh-CN" altLang="en-US" sz="2800" u="sng">
               <a:latin typeface="icomoon" charset="0"/>
-              <a:ea typeface="Yu Gothic UI Semibold" panose="020B0700000000000000" charset="-128"/>
+              <a:ea typeface="Yu Gothic UI Semibold" charset="-128"/>
             </a:endParaRPr>
           </a:p>
         </p:txBody>
@@ -20272,8 +20265,8 @@
                 <a:solidFill>
                   <a:schemeClr val="bg1"/>
                 </a:solidFill>
-                <a:latin typeface="Arial" panose="020B0604020202020204" pitchFamily="34" charset="0"/>
-                <a:ea typeface="Arial" panose="020B0604020202020204" pitchFamily="34" charset="0"/>
+                <a:latin typeface="Arial" pitchFamily="34" charset="0"/>
+                <a:ea typeface="Arial" pitchFamily="34" charset="0"/>
                 <a:sym typeface="+mn-ea"/>
               </a:rPr>
               <a:t> </a:t>
@@ -20283,8 +20276,8 @@
                 <a:solidFill>
                   <a:schemeClr val="bg1"/>
                 </a:solidFill>
-                <a:latin typeface="Arial" panose="020B0604020202020204" pitchFamily="34" charset="0"/>
-                <a:ea typeface="Arial" panose="020B0604020202020204" pitchFamily="34" charset="0"/>
+                <a:latin typeface="Arial" pitchFamily="34" charset="0"/>
+                <a:ea typeface="Arial" pitchFamily="34" charset="0"/>
                 <a:sym typeface="+mn-ea"/>
               </a:rPr>
               <a:t>YahBoom     </a:t>
@@ -20294,8 +20287,8 @@
                 <a:solidFill>
                   <a:schemeClr val="bg1"/>
                 </a:solidFill>
-                <a:latin typeface="Arial" panose="020B0604020202020204" pitchFamily="34" charset="0"/>
-                <a:ea typeface="Arial" panose="020B0604020202020204" pitchFamily="34" charset="0"/>
+                <a:latin typeface="Arial" pitchFamily="34" charset="0"/>
+                <a:ea typeface="Arial" pitchFamily="34" charset="0"/>
                 <a:sym typeface="+mn-ea"/>
               </a:rPr>
               <a:t>micro:bit</a:t>
@@ -20305,8 +20298,8 @@
                 <a:solidFill>
                   <a:schemeClr val="bg1"/>
                 </a:solidFill>
-                <a:latin typeface="Arial" panose="020B0604020202020204" pitchFamily="34" charset="0"/>
-                <a:ea typeface="Arial" panose="020B0604020202020204" pitchFamily="34" charset="0"/>
+                <a:latin typeface="Arial" pitchFamily="34" charset="0"/>
+                <a:ea typeface="Arial" pitchFamily="34" charset="0"/>
                 <a:sym typeface="+mn-ea"/>
               </a:rPr>
               <a:t> video tutorial</a:t>
@@ -20566,8 +20559,8 @@
                     <a:lumMod val="75000"/>
                   </a:schemeClr>
                 </a:solidFill>
-                <a:latin typeface="Arial" panose="020B0604020202020204" pitchFamily="34" charset="0"/>
-                <a:ea typeface="Arial" panose="020B0604020202020204" pitchFamily="34" charset="0"/>
+                <a:latin typeface="Arial" pitchFamily="34" charset="0"/>
+                <a:ea typeface="Arial" pitchFamily="34" charset="0"/>
                 <a:sym typeface="+mn-ea"/>
               </a:rPr>
               <a:t>How to add YahBoom extension</a:t>
@@ -20579,8 +20572,8 @@
                     <a:lumMod val="75000"/>
                   </a:schemeClr>
                 </a:solidFill>
-                <a:latin typeface="Arial" panose="020B0604020202020204" pitchFamily="34" charset="0"/>
-                <a:ea typeface="Arial" panose="020B0604020202020204" pitchFamily="34" charset="0"/>
+                <a:latin typeface="Arial" pitchFamily="34" charset="0"/>
+                <a:ea typeface="Arial" pitchFamily="34" charset="0"/>
                 <a:sym typeface="+mn-ea"/>
               </a:rPr>
               <a:t> </a:t>
@@ -20591,8 +20584,8 @@
                   <a:lumMod val="75000"/>
                 </a:schemeClr>
               </a:solidFill>
-              <a:latin typeface="Arial" panose="020B0604020202020204" pitchFamily="34" charset="0"/>
-              <a:ea typeface="Arial" panose="020B0604020202020204" pitchFamily="34" charset="0"/>
+              <a:latin typeface="Arial" pitchFamily="34" charset="0"/>
+              <a:ea typeface="Arial" pitchFamily="34" charset="0"/>
               <a:sym typeface="+mn-ea"/>
             </a:endParaRPr>
           </a:p>
@@ -20631,8 +20624,8 @@
                     </a:srgbClr>
                   </a:outerShdw>
                 </a:effectLst>
-                <a:latin typeface="Arial" panose="020B0604020202020204" pitchFamily="34" charset="0"/>
-                <a:ea typeface="Arial" panose="020B0604020202020204" pitchFamily="34" charset="0"/>
+                <a:latin typeface="Arial" pitchFamily="34" charset="0"/>
+                <a:ea typeface="Arial" pitchFamily="34" charset="0"/>
               </a:rPr>
               <a:t>       Click Advanced,</a:t>
             </a:r>
@@ -20648,8 +20641,8 @@
                     </a:srgbClr>
                   </a:outerShdw>
                 </a:effectLst>
-                <a:latin typeface="Arial" panose="020B0604020202020204" pitchFamily="34" charset="0"/>
-                <a:ea typeface="Arial" panose="020B0604020202020204" pitchFamily="34" charset="0"/>
+                <a:latin typeface="Arial" pitchFamily="34" charset="0"/>
+                <a:ea typeface="Arial" pitchFamily="34" charset="0"/>
               </a:rPr>
               <a:t> </a:t>
             </a:r>
@@ -20665,8 +20658,8 @@
                     </a:srgbClr>
                   </a:outerShdw>
                 </a:effectLst>
-                <a:latin typeface="Arial" panose="020B0604020202020204" pitchFamily="34" charset="0"/>
-                <a:ea typeface="Arial" panose="020B0604020202020204" pitchFamily="34" charset="0"/>
+                <a:latin typeface="Arial" pitchFamily="34" charset="0"/>
+                <a:ea typeface="Arial" pitchFamily="34" charset="0"/>
               </a:rPr>
               <a:t>then Click Add Package</a:t>
             </a:r>
@@ -20681,8 +20674,8 @@
                   </a:srgbClr>
                 </a:outerShdw>
               </a:effectLst>
-              <a:latin typeface="Arial" panose="020B0604020202020204" pitchFamily="34" charset="0"/>
-              <a:ea typeface="Arial" panose="020B0604020202020204" pitchFamily="34" charset="0"/>
+              <a:latin typeface="Arial" pitchFamily="34" charset="0"/>
+              <a:ea typeface="Arial" pitchFamily="34" charset="0"/>
             </a:endParaRPr>
           </a:p>
         </p:txBody>
@@ -20784,8 +20777,8 @@
                     <a:lumMod val="75000"/>
                   </a:schemeClr>
                 </a:solidFill>
-                <a:latin typeface="Arial" panose="020B0604020202020204" pitchFamily="34" charset="0"/>
-                <a:ea typeface="Arial" panose="020B0604020202020204" pitchFamily="34" charset="0"/>
+                <a:latin typeface="Arial" pitchFamily="34" charset="0"/>
+                <a:ea typeface="Arial" pitchFamily="34" charset="0"/>
                 <a:sym typeface="+mn-ea"/>
               </a:rPr>
               <a:t>Part 3</a:t>
@@ -20796,8 +20789,8 @@
                   <a:lumMod val="75000"/>
                 </a:schemeClr>
               </a:solidFill>
-              <a:latin typeface="Arial" panose="020B0604020202020204" pitchFamily="34" charset="0"/>
-              <a:ea typeface="Arial" panose="020B0604020202020204" pitchFamily="34" charset="0"/>
+              <a:latin typeface="Arial" pitchFamily="34" charset="0"/>
+              <a:ea typeface="Arial" pitchFamily="34" charset="0"/>
               <a:sym typeface="+mn-ea"/>
             </a:endParaRPr>
           </a:p>
@@ -21059,8 +21052,8 @@
                     </a:srgbClr>
                   </a:outerShdw>
                 </a:effectLst>
-                <a:latin typeface="Arial" panose="020B0604020202020204" pitchFamily="34" charset="0"/>
-                <a:ea typeface="Arial" panose="020B0604020202020204" pitchFamily="34" charset="0"/>
+                <a:latin typeface="Arial" pitchFamily="34" charset="0"/>
+                <a:ea typeface="Arial" pitchFamily="34" charset="0"/>
                 <a:sym typeface="+mn-ea"/>
               </a:rPr>
               <a:t>Enter the URL in the input column:</a:t>
@@ -21077,8 +21070,8 @@
                     </a:srgbClr>
                   </a:outerShdw>
                 </a:effectLst>
-                <a:latin typeface="Arial" panose="020B0604020202020204" pitchFamily="34" charset="0"/>
-                <a:ea typeface="Arial" panose="020B0604020202020204" pitchFamily="34" charset="0"/>
+                <a:latin typeface="Arial" pitchFamily="34" charset="0"/>
+                <a:ea typeface="Arial" pitchFamily="34" charset="0"/>
                 <a:sym typeface="+mn-ea"/>
               </a:rPr>
               <a:t>https://github.com/lzty634158/yahboom_mbit_en</a:t>
@@ -21094,8 +21087,8 @@
                   </a:srgbClr>
                 </a:outerShdw>
               </a:effectLst>
-              <a:latin typeface="Arial" panose="020B0604020202020204" pitchFamily="34" charset="0"/>
-              <a:ea typeface="Arial" panose="020B0604020202020204" pitchFamily="34" charset="0"/>
+              <a:latin typeface="Arial" pitchFamily="34" charset="0"/>
+              <a:ea typeface="Arial" pitchFamily="34" charset="0"/>
               <a:sym typeface="+mn-ea"/>
             </a:endParaRPr>
           </a:p>
@@ -21112,8 +21105,8 @@
                     </a:srgbClr>
                   </a:outerShdw>
                 </a:effectLst>
-                <a:latin typeface="Arial" panose="020B0604020202020204" pitchFamily="34" charset="0"/>
-                <a:ea typeface="Arial" panose="020B0604020202020204" pitchFamily="34" charset="0"/>
+                <a:latin typeface="Arial" pitchFamily="34" charset="0"/>
+                <a:ea typeface="Arial" pitchFamily="34" charset="0"/>
               </a:rPr>
               <a:t>Then click Mbit, and you can add the package successfully.</a:t>
             </a:r>
@@ -21128,8 +21121,8 @@
                   </a:srgbClr>
                 </a:outerShdw>
               </a:effectLst>
-              <a:latin typeface="Arial" panose="020B0604020202020204" pitchFamily="34" charset="0"/>
-              <a:ea typeface="Arial" panose="020B0604020202020204" pitchFamily="34" charset="0"/>
+              <a:latin typeface="Arial" pitchFamily="34" charset="0"/>
+              <a:ea typeface="Arial" pitchFamily="34" charset="0"/>
             </a:endParaRPr>
           </a:p>
         </p:txBody>
@@ -21160,8 +21153,8 @@
                 <a:solidFill>
                   <a:schemeClr val="bg1"/>
                 </a:solidFill>
-                <a:latin typeface="Arial" panose="020B0604020202020204" pitchFamily="34" charset="0"/>
-                <a:ea typeface="Arial" panose="020B0604020202020204" pitchFamily="34" charset="0"/>
+                <a:latin typeface="Arial" pitchFamily="34" charset="0"/>
+                <a:ea typeface="Arial" pitchFamily="34" charset="0"/>
               </a:rPr>
               <a:t>                       </a:t>
             </a:r>
@@ -21170,8 +21163,8 @@
                 <a:solidFill>
                   <a:schemeClr val="bg1"/>
                 </a:solidFill>
-                <a:latin typeface="Arial" panose="020B0604020202020204" pitchFamily="34" charset="0"/>
-                <a:ea typeface="Arial" panose="020B0604020202020204" pitchFamily="34" charset="0"/>
+                <a:latin typeface="Arial" pitchFamily="34" charset="0"/>
+                <a:ea typeface="Arial" pitchFamily="34" charset="0"/>
               </a:rPr>
               <a:t>             </a:t>
             </a:r>
@@ -21180,8 +21173,8 @@
                 <a:solidFill>
                   <a:schemeClr val="bg1"/>
                 </a:solidFill>
-                <a:latin typeface="Arial" panose="020B0604020202020204" pitchFamily="34" charset="0"/>
-                <a:ea typeface="Arial" panose="020B0604020202020204" pitchFamily="34" charset="0"/>
+                <a:latin typeface="Arial" pitchFamily="34" charset="0"/>
+                <a:ea typeface="Arial" pitchFamily="34" charset="0"/>
               </a:rPr>
               <a:t>micro:bit</a:t>
             </a:r>
@@ -21190,8 +21183,8 @@
                 <a:solidFill>
                   <a:schemeClr val="bg1"/>
                 </a:solidFill>
-                <a:latin typeface="Arial" panose="020B0604020202020204" pitchFamily="34" charset="0"/>
-                <a:ea typeface="Arial" panose="020B0604020202020204" pitchFamily="34" charset="0"/>
+                <a:latin typeface="Arial" pitchFamily="34" charset="0"/>
+                <a:ea typeface="Arial" pitchFamily="34" charset="0"/>
               </a:rPr>
               <a:t> module video tutorial</a:t>
             </a:r>
@@ -21200,21 +21193,21 @@
                 <a:solidFill>
                   <a:schemeClr val="bg1"/>
                 </a:solidFill>
-                <a:latin typeface="Arial" panose="020B0604020202020204" pitchFamily="34" charset="0"/>
-                <a:ea typeface="Arial" panose="020B0604020202020204" pitchFamily="34" charset="0"/>
+                <a:latin typeface="Arial" pitchFamily="34" charset="0"/>
+                <a:ea typeface="Arial" pitchFamily="34" charset="0"/>
               </a:rPr>
               <a:t> </a:t>
             </a:r>
             <a:r>
               <a:rPr lang="zh-CN" altLang="en-US" sz="2800" u="sng">
                 <a:latin typeface="icomoon" charset="0"/>
-                <a:ea typeface="Yu Gothic UI Semibold" panose="020B0700000000000000" charset="-128"/>
+                <a:ea typeface="Yu Gothic UI Semibold" charset="-128"/>
               </a:rPr>
               <a:t>                                </a:t>
             </a:r>
             <a:endParaRPr lang="zh-CN" altLang="en-US" sz="2800" u="sng">
               <a:latin typeface="icomoon" charset="0"/>
-              <a:ea typeface="Yu Gothic UI Semibold" panose="020B0700000000000000" charset="-128"/>
+              <a:ea typeface="Yu Gothic UI Semibold" charset="-128"/>
             </a:endParaRPr>
           </a:p>
         </p:txBody>
@@ -21614,8 +21607,8 @@
                 <a:solidFill>
                   <a:schemeClr val="bg1"/>
                 </a:solidFill>
-                <a:latin typeface="Arial" panose="020B0604020202020204" pitchFamily="34" charset="0"/>
-                <a:ea typeface="Arial" panose="020B0604020202020204" pitchFamily="34" charset="0"/>
+                <a:latin typeface="Arial" pitchFamily="34" charset="0"/>
+                <a:ea typeface="Arial" pitchFamily="34" charset="0"/>
                 <a:sym typeface="+mn-ea"/>
               </a:rPr>
               <a:t> </a:t>
@@ -21625,8 +21618,8 @@
                 <a:solidFill>
                   <a:schemeClr val="bg1"/>
                 </a:solidFill>
-                <a:latin typeface="Arial" panose="020B0604020202020204" pitchFamily="34" charset="0"/>
-                <a:ea typeface="Arial" panose="020B0604020202020204" pitchFamily="34" charset="0"/>
+                <a:latin typeface="Arial" pitchFamily="34" charset="0"/>
+                <a:ea typeface="Arial" pitchFamily="34" charset="0"/>
                 <a:sym typeface="+mn-ea"/>
               </a:rPr>
               <a:t>YahBoom     </a:t>
@@ -21636,8 +21629,8 @@
                 <a:solidFill>
                   <a:schemeClr val="bg1"/>
                 </a:solidFill>
-                <a:latin typeface="Arial" panose="020B0604020202020204" pitchFamily="34" charset="0"/>
-                <a:ea typeface="Arial" panose="020B0604020202020204" pitchFamily="34" charset="0"/>
+                <a:latin typeface="Arial" pitchFamily="34" charset="0"/>
+                <a:ea typeface="Arial" pitchFamily="34" charset="0"/>
                 <a:sym typeface="+mn-ea"/>
               </a:rPr>
               <a:t>micro:bit</a:t>
@@ -21647,8 +21640,8 @@
                 <a:solidFill>
                   <a:schemeClr val="bg1"/>
                 </a:solidFill>
-                <a:latin typeface="Arial" panose="020B0604020202020204" pitchFamily="34" charset="0"/>
-                <a:ea typeface="Arial" panose="020B0604020202020204" pitchFamily="34" charset="0"/>
+                <a:latin typeface="Arial" pitchFamily="34" charset="0"/>
+                <a:ea typeface="Arial" pitchFamily="34" charset="0"/>
                 <a:sym typeface="+mn-ea"/>
               </a:rPr>
               <a:t> video tutorial</a:t>
@@ -21709,8 +21702,8 @@
                     <a:lumMod val="75000"/>
                   </a:schemeClr>
                 </a:solidFill>
-                <a:latin typeface="Arial" panose="020B0604020202020204" pitchFamily="34" charset="0"/>
-                <a:ea typeface="Arial" panose="020B0604020202020204" pitchFamily="34" charset="0"/>
+                <a:latin typeface="Arial" pitchFamily="34" charset="0"/>
+                <a:ea typeface="Arial" pitchFamily="34" charset="0"/>
                 <a:sym typeface="+mn-ea"/>
               </a:rPr>
               <a:t>How to add YahBoom extension</a:t>
@@ -21722,8 +21715,8 @@
                     <a:lumMod val="75000"/>
                   </a:schemeClr>
                 </a:solidFill>
-                <a:latin typeface="Arial" panose="020B0604020202020204" pitchFamily="34" charset="0"/>
-                <a:ea typeface="Arial" panose="020B0604020202020204" pitchFamily="34" charset="0"/>
+                <a:latin typeface="Arial" pitchFamily="34" charset="0"/>
+                <a:ea typeface="Arial" pitchFamily="34" charset="0"/>
                 <a:sym typeface="+mn-ea"/>
               </a:rPr>
               <a:t> </a:t>
@@ -21734,8 +21727,8 @@
                   <a:lumMod val="75000"/>
                 </a:schemeClr>
               </a:solidFill>
-              <a:latin typeface="Arial" panose="020B0604020202020204" pitchFamily="34" charset="0"/>
-              <a:ea typeface="Arial" panose="020B0604020202020204" pitchFamily="34" charset="0"/>
+              <a:latin typeface="Arial" pitchFamily="34" charset="0"/>
+              <a:ea typeface="Arial" pitchFamily="34" charset="0"/>
               <a:sym typeface="+mn-ea"/>
             </a:endParaRPr>
           </a:p>
@@ -21991,6 +21984,8 @@
       </a:bgFillStyleLst>
     </a:fmtScheme>
   </a:themeElements>
+  <a:objectDefaults/>
+  <a:extraClrSchemeLst/>
   <a:extLst>
     <a:ext uri="{05A4C25C-085E-4340-85A3-A5531E510DB2}">
       <thm15:themeFamily xmlns:thm15="http://schemas.microsoft.com/office/thememl/2012/main" name="Office Theme" id="{62F939B6-93AF-4DB8-9C6B-D6C7DFDC589F}" vid="{4A3C46E8-61CC-4603-A589-7422A47A8E4A}"/>
@@ -22250,6 +22245,8 @@
       </a:bgFillStyleLst>
     </a:fmtScheme>
   </a:themeElements>
+  <a:objectDefaults/>
+  <a:extraClrSchemeLst/>
   <a:extLst>
     <a:ext uri="{05A4C25C-085E-4340-85A3-A5531E510DB2}">
       <thm15:themeFamily xmlns:thm15="http://schemas.microsoft.com/office/thememl/2012/main" name="Office Theme" id="{62F939B6-93AF-4DB8-9C6B-D6C7DFDC589F}" vid="{4A3C46E8-61CC-4603-A589-7422A47A8E4A}"/>
@@ -22509,6 +22506,8 @@
       </a:bgFillStyleLst>
     </a:fmtScheme>
   </a:themeElements>
+  <a:objectDefaults/>
+  <a:extraClrSchemeLst/>
   <a:extLst>
     <a:ext uri="{05A4C25C-085E-4340-85A3-A5531E510DB2}">
       <thm15:themeFamily xmlns:thm15="http://schemas.microsoft.com/office/thememl/2012/main" name="Office Theme" id="{62F939B6-93AF-4DB8-9C6B-D6C7DFDC589F}" vid="{4A3C46E8-61CC-4603-A589-7422A47A8E4A}"/>

--- a/0.Preparation before class/Computer programming.pptx
+++ b/0.Preparation before class/Computer programming.pptx
@@ -21028,7 +21028,7 @@
         <p:spPr>
           <a:xfrm>
             <a:off x="2800985" y="1150620"/>
-            <a:ext cx="8590915" cy="645160"/>
+            <a:ext cx="8590915" cy="914400"/>
           </a:xfrm>
           <a:prstGeom prst="rect">
             <a:avLst/>
@@ -21093,6 +21093,57 @@
             </a:endParaRPr>
           </a:p>
           <a:p>
+            <a:r>
+              <a:rPr lang="en-US">
+                <a:solidFill>
+                  <a:schemeClr val="accent1"/>
+                </a:solidFill>
+                <a:effectLst>
+                  <a:outerShdw blurRad="38100" dist="25400" dir="5400000" algn="ctr" rotWithShape="0">
+                    <a:srgbClr val="6E747A">
+                      <a:alpha val="43000"/>
+                    </a:srgbClr>
+                  </a:outerShdw>
+                </a:effectLst>
+                <a:latin typeface="Arial" pitchFamily="34" charset="0"/>
+                <a:ea typeface="Arial" pitchFamily="34" charset="0"/>
+              </a:rPr>
+              <a:t>and </a:t>
+            </a:r>
+            <a:r>
+              <a:rPr lang="zh-CN" altLang="en-US">
+                <a:solidFill>
+                  <a:srgbClr val="FF0000"/>
+                </a:solidFill>
+                <a:effectLst>
+                  <a:outerShdw blurRad="38100" dist="25400" dir="5400000" algn="ctr" rotWithShape="0">
+                    <a:srgbClr val="6E747A">
+                      <a:alpha val="43000"/>
+                    </a:srgbClr>
+                  </a:outerShdw>
+                </a:effectLst>
+                <a:latin typeface="Arial" pitchFamily="34" charset="0"/>
+                <a:ea typeface="Arial" pitchFamily="34" charset="0"/>
+              </a:rPr>
+              <a:t>https://github.com/YahboomTechnology/Yahboom_IR</a:t>
+            </a:r>
+            <a:r>
+              <a:rPr lang="en-US">
+                <a:solidFill>
+                  <a:schemeClr val="accent1"/>
+                </a:solidFill>
+                <a:effectLst>
+                  <a:outerShdw blurRad="38100" dist="25400" dir="5400000" algn="ctr" rotWithShape="0">
+                    <a:srgbClr val="6E747A">
+                      <a:alpha val="43000"/>
+                    </a:srgbClr>
+                  </a:outerShdw>
+                </a:effectLst>
+                <a:latin typeface="Arial" pitchFamily="34" charset="0"/>
+                <a:ea typeface="Arial" pitchFamily="34" charset="0"/>
+              </a:rPr>
+              <a:t> </a:t>
+            </a:r>
             <a:r>
               <a:rPr>
                 <a:solidFill>
